--- a/stats presentation.pptx
+++ b/stats presentation.pptx
@@ -212,7 +212,7 @@
           <a:p>
             <a:fld id="{A92ABD75-A130-4150-AAE4-AE2D3035641C}" type="datetimeFigureOut">
               <a:rPr lang="en-CA" smtClean="0"/>
-              <a:t>2021-04-11</a:t>
+              <a:t>2021-04-12</a:t>
             </a:fld>
             <a:endParaRPr lang="en-CA"/>
           </a:p>
@@ -1196,7 +1196,27 @@
                 <a:effectLst/>
                 <a:latin typeface="Effra"/>
               </a:rPr>
-              <a:t>A canalized phenotypic trait can be seen as robust which is characterized by low variation despite environmental or genetic perturbations. </a:t>
+              <a:t>A </a:t>
+            </a:r>
+            <a:r>
+              <a:rPr lang="en-US" b="0" i="0">
+                <a:solidFill>
+                  <a:srgbClr val="6B6B6B"/>
+                </a:solidFill>
+                <a:effectLst/>
+                <a:latin typeface="Effra"/>
+              </a:rPr>
+              <a:t>canalized phenotypic </a:t>
+            </a:r>
+            <a:r>
+              <a:rPr lang="en-US" b="0" i="0" dirty="0">
+                <a:solidFill>
+                  <a:srgbClr val="6B6B6B"/>
+                </a:solidFill>
+                <a:effectLst/>
+                <a:latin typeface="Effra"/>
+              </a:rPr>
+              <a:t>is characterized by low variation despite environmental or genetic perturbations. </a:t>
             </a:r>
             <a:br>
               <a:rPr lang="en-US" b="0" i="0" dirty="0">
@@ -2844,7 +2864,7 @@
             <a:fld id="{B61BEF0D-F0BB-DE4B-95CE-6DB70DBA9567}" type="datetimeFigureOut">
               <a:rPr lang="en-US" dirty="0"/>
               <a:pPr/>
-              <a:t>4/11/2021</a:t>
+              <a:t>4/12/2021</a:t>
             </a:fld>
             <a:endParaRPr lang="en-US" dirty="0"/>
           </a:p>
@@ -3132,7 +3152,7 @@
             <a:fld id="{B61BEF0D-F0BB-DE4B-95CE-6DB70DBA9567}" type="datetimeFigureOut">
               <a:rPr lang="en-US" dirty="0"/>
               <a:pPr/>
-              <a:t>4/11/2021</a:t>
+              <a:t>4/12/2021</a:t>
             </a:fld>
             <a:endParaRPr lang="en-US" dirty="0"/>
           </a:p>
@@ -3388,7 +3408,7 @@
             <a:fld id="{B61BEF0D-F0BB-DE4B-95CE-6DB70DBA9567}" type="datetimeFigureOut">
               <a:rPr lang="en-US" dirty="0"/>
               <a:pPr/>
-              <a:t>4/11/2021</a:t>
+              <a:t>4/12/2021</a:t>
             </a:fld>
             <a:endParaRPr lang="en-US" dirty="0"/>
           </a:p>
@@ -3854,7 +3874,7 @@
             <a:fld id="{B61BEF0D-F0BB-DE4B-95CE-6DB70DBA9567}" type="datetimeFigureOut">
               <a:rPr lang="en-US" dirty="0"/>
               <a:pPr/>
-              <a:t>4/11/2021</a:t>
+              <a:t>4/12/2021</a:t>
             </a:fld>
             <a:endParaRPr lang="en-US" dirty="0"/>
           </a:p>
@@ -4031,7 +4051,7 @@
             <a:fld id="{B61BEF0D-F0BB-DE4B-95CE-6DB70DBA9567}" type="datetimeFigureOut">
               <a:rPr lang="en-US" dirty="0"/>
               <a:pPr/>
-              <a:t>4/11/2021</a:t>
+              <a:t>4/12/2021</a:t>
             </a:fld>
             <a:endParaRPr lang="en-US" dirty="0"/>
           </a:p>
@@ -4604,7 +4624,7 @@
             <a:fld id="{B61BEF0D-F0BB-DE4B-95CE-6DB70DBA9567}" type="datetimeFigureOut">
               <a:rPr lang="en-US" dirty="0"/>
               <a:pPr/>
-              <a:t>4/11/2021</a:t>
+              <a:t>4/12/2021</a:t>
             </a:fld>
             <a:endParaRPr lang="en-US" dirty="0"/>
           </a:p>
@@ -4933,7 +4953,7 @@
             <a:fld id="{B61BEF0D-F0BB-DE4B-95CE-6DB70DBA9567}" type="datetimeFigureOut">
               <a:rPr lang="en-US" dirty="0"/>
               <a:pPr/>
-              <a:t>4/11/2021</a:t>
+              <a:t>4/12/2021</a:t>
             </a:fld>
             <a:endParaRPr lang="en-US" dirty="0"/>
           </a:p>
@@ -5105,7 +5125,7 @@
             <a:fld id="{B61BEF0D-F0BB-DE4B-95CE-6DB70DBA9567}" type="datetimeFigureOut">
               <a:rPr lang="en-US" dirty="0"/>
               <a:pPr/>
-              <a:t>4/11/2021</a:t>
+              <a:t>4/12/2021</a:t>
             </a:fld>
             <a:endParaRPr lang="en-US" dirty="0"/>
           </a:p>
@@ -5282,7 +5302,7 @@
             <a:fld id="{B61BEF0D-F0BB-DE4B-95CE-6DB70DBA9567}" type="datetimeFigureOut">
               <a:rPr lang="en-US" dirty="0"/>
               <a:pPr/>
-              <a:t>4/11/2021</a:t>
+              <a:t>4/12/2021</a:t>
             </a:fld>
             <a:endParaRPr lang="en-US" dirty="0"/>
           </a:p>
@@ -5449,7 +5469,7 @@
             <a:fld id="{B61BEF0D-F0BB-DE4B-95CE-6DB70DBA9567}" type="datetimeFigureOut">
               <a:rPr lang="en-US" dirty="0"/>
               <a:pPr/>
-              <a:t>4/11/2021</a:t>
+              <a:t>4/12/2021</a:t>
             </a:fld>
             <a:endParaRPr lang="en-US" dirty="0"/>
           </a:p>
@@ -5703,7 +5723,7 @@
             <a:fld id="{B61BEF0D-F0BB-DE4B-95CE-6DB70DBA9567}" type="datetimeFigureOut">
               <a:rPr lang="en-US" dirty="0"/>
               <a:pPr/>
-              <a:t>4/11/2021</a:t>
+              <a:t>4/12/2021</a:t>
             </a:fld>
             <a:endParaRPr lang="en-US" dirty="0"/>
           </a:p>
@@ -5992,7 +6012,7 @@
             <a:fld id="{B61BEF0D-F0BB-DE4B-95CE-6DB70DBA9567}" type="datetimeFigureOut">
               <a:rPr lang="en-US" dirty="0"/>
               <a:pPr/>
-              <a:t>4/11/2021</a:t>
+              <a:t>4/12/2021</a:t>
             </a:fld>
             <a:endParaRPr lang="en-US" dirty="0"/>
           </a:p>
@@ -6419,7 +6439,7 @@
             <a:fld id="{B61BEF0D-F0BB-DE4B-95CE-6DB70DBA9567}" type="datetimeFigureOut">
               <a:rPr lang="en-US" dirty="0"/>
               <a:pPr/>
-              <a:t>4/11/2021</a:t>
+              <a:t>4/12/2021</a:t>
             </a:fld>
             <a:endParaRPr lang="en-US" dirty="0"/>
           </a:p>
@@ -6534,7 +6554,7 @@
             <a:fld id="{B61BEF0D-F0BB-DE4B-95CE-6DB70DBA9567}" type="datetimeFigureOut">
               <a:rPr lang="en-US" dirty="0"/>
               <a:pPr/>
-              <a:t>4/11/2021</a:t>
+              <a:t>4/12/2021</a:t>
             </a:fld>
             <a:endParaRPr lang="en-US" dirty="0"/>
           </a:p>
@@ -6626,7 +6646,7 @@
             <a:fld id="{B61BEF0D-F0BB-DE4B-95CE-6DB70DBA9567}" type="datetimeFigureOut">
               <a:rPr lang="en-US" dirty="0"/>
               <a:pPr/>
-              <a:t>4/11/2021</a:t>
+              <a:t>4/12/2021</a:t>
             </a:fld>
             <a:endParaRPr lang="en-US" dirty="0"/>
           </a:p>
@@ -6906,7 +6926,7 @@
             <a:fld id="{B61BEF0D-F0BB-DE4B-95CE-6DB70DBA9567}" type="datetimeFigureOut">
               <a:rPr lang="en-US" dirty="0"/>
               <a:pPr/>
-              <a:t>4/11/2021</a:t>
+              <a:t>4/12/2021</a:t>
             </a:fld>
             <a:endParaRPr lang="en-US" dirty="0"/>
           </a:p>
@@ -7194,7 +7214,7 @@
             <a:fld id="{B61BEF0D-F0BB-DE4B-95CE-6DB70DBA9567}" type="datetimeFigureOut">
               <a:rPr lang="en-US" dirty="0"/>
               <a:pPr/>
-              <a:t>4/11/2021</a:t>
+              <a:t>4/12/2021</a:t>
             </a:fld>
             <a:endParaRPr lang="en-US" dirty="0"/>
           </a:p>
@@ -7422,7 +7442,7 @@
             <a:fld id="{B61BEF0D-F0BB-DE4B-95CE-6DB70DBA9567}" type="datetimeFigureOut">
               <a:rPr lang="en-US" dirty="0"/>
               <a:pPr/>
-              <a:t>4/11/2021</a:t>
+              <a:t>4/12/2021</a:t>
             </a:fld>
             <a:endParaRPr lang="en-US" dirty="0"/>
           </a:p>

--- a/stats presentation.pptx
+++ b/stats presentation.pptx
@@ -5,7 +5,7 @@
     <p:sldMasterId id="2147483648" r:id="rId1"/>
   </p:sldMasterIdLst>
   <p:notesMasterIdLst>
-    <p:notesMasterId r:id="rId18"/>
+    <p:notesMasterId r:id="rId19"/>
   </p:notesMasterIdLst>
   <p:sldIdLst>
     <p:sldId id="256" r:id="rId2"/>
@@ -18,12 +18,13 @@
     <p:sldId id="263" r:id="rId9"/>
     <p:sldId id="264" r:id="rId10"/>
     <p:sldId id="266" r:id="rId11"/>
-    <p:sldId id="265" r:id="rId12"/>
-    <p:sldId id="267" r:id="rId13"/>
-    <p:sldId id="268" r:id="rId14"/>
-    <p:sldId id="269" r:id="rId15"/>
-    <p:sldId id="270" r:id="rId16"/>
-    <p:sldId id="271" r:id="rId17"/>
+    <p:sldId id="272" r:id="rId12"/>
+    <p:sldId id="265" r:id="rId13"/>
+    <p:sldId id="267" r:id="rId14"/>
+    <p:sldId id="268" r:id="rId15"/>
+    <p:sldId id="269" r:id="rId16"/>
+    <p:sldId id="270" r:id="rId17"/>
+    <p:sldId id="271" r:id="rId18"/>
   </p:sldIdLst>
   <p:sldSz cx="12192000" cy="6858000"/>
   <p:notesSz cx="6858000" cy="9144000"/>
@@ -711,7 +712,25 @@
             </a:pPr>
             <a:r>
               <a:rPr lang="en-CA" dirty="0"/>
-              <a:t>I would like you to first pay attention to the line means, or the black bars in the center of the graphs and compare them first two each other in the same genetic environment</a:t>
+              <a:t>I’m going to try and use this slide to explain the difference of between line an within line variation </a:t>
+            </a:r>
+          </a:p>
+          <a:p>
+            <a:pPr marL="171450" indent="-171450">
+              <a:buFontTx/>
+              <a:buChar char="-"/>
+            </a:pPr>
+            <a:r>
+              <a:rPr lang="en-CA" dirty="0"/>
+              <a:t>I would like you to first pay attention to the line means, or the black bars in the center of </a:t>
+            </a:r>
+            <a:r>
+              <a:rPr lang="en-CA"/>
+              <a:t>the boxplots </a:t>
+            </a:r>
+            <a:r>
+              <a:rPr lang="en-CA" dirty="0"/>
+              <a:t>and compare them first two each other in the same genetic environment</a:t>
             </a:r>
           </a:p>
           <a:p>
@@ -804,7 +823,7 @@
           <a:p>
             <a:fld id="{4816D62B-C50E-417B-83A6-FFA84A8D2526}" type="slidenum">
               <a:rPr lang="en-CA" smtClean="0"/>
-              <a:t>11</a:t>
+              <a:t>12</a:t>
             </a:fld>
             <a:endParaRPr lang="en-CA"/>
           </a:p>
@@ -897,7 +916,7 @@
           <a:p>
             <a:fld id="{4816D62B-C50E-417B-83A6-FFA84A8D2526}" type="slidenum">
               <a:rPr lang="en-CA" smtClean="0"/>
-              <a:t>12</a:t>
+              <a:t>13</a:t>
             </a:fld>
             <a:endParaRPr lang="en-CA"/>
           </a:p>
@@ -984,7 +1003,7 @@
           <a:p>
             <a:fld id="{4816D62B-C50E-417B-83A6-FFA84A8D2526}" type="slidenum">
               <a:rPr lang="en-CA" smtClean="0"/>
-              <a:t>13</a:t>
+              <a:t>14</a:t>
             </a:fld>
             <a:endParaRPr lang="en-CA"/>
           </a:p>
@@ -1196,27 +1215,7 @@
                 <a:effectLst/>
                 <a:latin typeface="Effra"/>
               </a:rPr>
-              <a:t>A </a:t>
-            </a:r>
-            <a:r>
-              <a:rPr lang="en-US" b="0" i="0">
-                <a:solidFill>
-                  <a:srgbClr val="6B6B6B"/>
-                </a:solidFill>
-                <a:effectLst/>
-                <a:latin typeface="Effra"/>
-              </a:rPr>
-              <a:t>canalized phenotypic </a:t>
-            </a:r>
-            <a:r>
-              <a:rPr lang="en-US" b="0" i="0" dirty="0">
-                <a:solidFill>
-                  <a:srgbClr val="6B6B6B"/>
-                </a:solidFill>
-                <a:effectLst/>
-                <a:latin typeface="Effra"/>
-              </a:rPr>
-              <a:t>is characterized by low variation despite environmental or genetic perturbations. </a:t>
+              <a:t>A canalized phenotypic is characterized by low variation despite environmental or genetic perturbations. </a:t>
             </a:r>
             <a:br>
               <a:rPr lang="en-US" b="0" i="0" dirty="0">
@@ -8765,6 +8764,128 @@
           <p:cNvPr id="2" name="Title 1">
             <a:extLst>
               <a:ext uri="{FF2B5EF4-FFF2-40B4-BE49-F238E27FC236}">
+                <a16:creationId xmlns:a16="http://schemas.microsoft.com/office/drawing/2014/main" id="{0D145451-3BA1-457D-B483-553F4700DEFF}"/>
+              </a:ext>
+            </a:extLst>
+          </p:cNvPr>
+          <p:cNvSpPr>
+            <a:spLocks noGrp="1"/>
+          </p:cNvSpPr>
+          <p:nvPr>
+            <p:ph type="title"/>
+          </p:nvPr>
+        </p:nvSpPr>
+        <p:spPr/>
+        <p:txBody>
+          <a:bodyPr/>
+          <a:lstStyle/>
+          <a:p>
+            <a:r>
+              <a:rPr lang="en-US" dirty="0"/>
+              <a:t>Biological questions </a:t>
+            </a:r>
+            <a:endParaRPr lang="en-CA" dirty="0"/>
+          </a:p>
+        </p:txBody>
+      </p:sp>
+      <p:sp>
+        <p:nvSpPr>
+          <p:cNvPr id="3" name="Content Placeholder 2">
+            <a:extLst>
+              <a:ext uri="{FF2B5EF4-FFF2-40B4-BE49-F238E27FC236}">
+                <a16:creationId xmlns:a16="http://schemas.microsoft.com/office/drawing/2014/main" id="{C634F5A9-44C7-4DF4-A62D-BC714C46E079}"/>
+              </a:ext>
+            </a:extLst>
+          </p:cNvPr>
+          <p:cNvSpPr>
+            <a:spLocks noGrp="1"/>
+          </p:cNvSpPr>
+          <p:nvPr>
+            <p:ph idx="1"/>
+          </p:nvPr>
+        </p:nvSpPr>
+        <p:spPr/>
+        <p:txBody>
+          <a:bodyPr/>
+          <a:lstStyle/>
+          <a:p>
+            <a:r>
+              <a:rPr lang="en-US" dirty="0"/>
+              <a:t>Our biological questions include:</a:t>
+            </a:r>
+          </a:p>
+          <a:p>
+            <a:pPr marL="457200" indent="-457200">
+              <a:buAutoNum type="arabicParenR"/>
+            </a:pPr>
+            <a:r>
+              <a:rPr lang="en-US" dirty="0"/>
+              <a:t>how the trait mean of wing size varies between DGRP lines crossed with different mutant alleles and why</a:t>
+            </a:r>
+          </a:p>
+          <a:p>
+            <a:pPr marL="457200" indent="-457200">
+              <a:buAutoNum type="arabicParenR"/>
+            </a:pPr>
+            <a:r>
+              <a:rPr lang="en-US" dirty="0"/>
+              <a:t>How the variation around the trait mean of wing size varies between DGRP lines crossed with different mutant Alleles and why</a:t>
+            </a:r>
+          </a:p>
+          <a:p>
+            <a:pPr marL="0" indent="0">
+              <a:buNone/>
+            </a:pPr>
+            <a:r>
+              <a:rPr lang="en-US" dirty="0"/>
+              <a:t>We hypothesize that mutant alleles with moderate phenotypic effects will display the greatest variability of between line mean wing size and within line variability across different </a:t>
+            </a:r>
+            <a:r>
+              <a:rPr lang="en-US" dirty="0" err="1"/>
+              <a:t>dgrp</a:t>
+            </a:r>
+            <a:r>
+              <a:rPr lang="en-US" dirty="0"/>
+              <a:t> lines crossed with mutant alleles </a:t>
+            </a:r>
+          </a:p>
+        </p:txBody>
+      </p:sp>
+    </p:spTree>
+    <p:extLst>
+      <p:ext uri="{BB962C8B-B14F-4D97-AF65-F5344CB8AC3E}">
+        <p14:creationId xmlns:p14="http://schemas.microsoft.com/office/powerpoint/2010/main" val="43907072"/>
+      </p:ext>
+    </p:extLst>
+  </p:cSld>
+  <p:clrMapOvr>
+    <a:masterClrMapping/>
+  </p:clrMapOvr>
+</p:sld>
+</file>
+
+<file path=ppt/slides/slide12.xml><?xml version="1.0" encoding="utf-8"?>
+<p:sld xmlns:a="http://schemas.openxmlformats.org/drawingml/2006/main" xmlns:r="http://schemas.openxmlformats.org/officeDocument/2006/relationships" xmlns:p="http://schemas.openxmlformats.org/presentationml/2006/main">
+  <p:cSld>
+    <p:spTree>
+      <p:nvGrpSpPr>
+        <p:cNvPr id="1" name=""/>
+        <p:cNvGrpSpPr/>
+        <p:nvPr/>
+      </p:nvGrpSpPr>
+      <p:grpSpPr>
+        <a:xfrm>
+          <a:off x="0" y="0"/>
+          <a:ext cx="0" cy="0"/>
+          <a:chOff x="0" y="0"/>
+          <a:chExt cx="0" cy="0"/>
+        </a:xfrm>
+      </p:grpSpPr>
+      <p:sp>
+        <p:nvSpPr>
+          <p:cNvPr id="2" name="Title 1">
+            <a:extLst>
+              <a:ext uri="{FF2B5EF4-FFF2-40B4-BE49-F238E27FC236}">
                 <a16:creationId xmlns:a16="http://schemas.microsoft.com/office/drawing/2014/main" id="{F88A1E62-962F-41B4-886E-E18D7BB9F8D8}"/>
               </a:ext>
             </a:extLst>
@@ -8783,12 +8904,14 @@
           </a:xfrm>
         </p:spPr>
         <p:txBody>
-          <a:bodyPr/>
+          <a:bodyPr>
+            <a:normAutofit/>
+          </a:bodyPr>
           <a:lstStyle/>
           <a:p>
             <a:r>
               <a:rPr lang="en-CA" dirty="0"/>
-              <a:t>Within line between individuals and between line variation  </a:t>
+              <a:t>Between line variation and Within line variation </a:t>
             </a:r>
           </a:p>
         </p:txBody>
@@ -10025,7 +10148,7 @@
 </p:sld>
 </file>
 
-<file path=ppt/slides/slide12.xml><?xml version="1.0" encoding="utf-8"?>
+<file path=ppt/slides/slide13.xml><?xml version="1.0" encoding="utf-8"?>
 <p:sld xmlns:a="http://schemas.openxmlformats.org/drawingml/2006/main" xmlns:r="http://schemas.openxmlformats.org/officeDocument/2006/relationships" xmlns:p="http://schemas.openxmlformats.org/presentationml/2006/main">
   <p:cSld>
     <p:spTree>
@@ -10250,7 +10373,7 @@
 </p:sld>
 </file>
 
-<file path=ppt/slides/slide13.xml><?xml version="1.0" encoding="utf-8"?>
+<file path=ppt/slides/slide14.xml><?xml version="1.0" encoding="utf-8"?>
 <p:sld xmlns:a="http://schemas.openxmlformats.org/drawingml/2006/main" xmlns:r="http://schemas.openxmlformats.org/officeDocument/2006/relationships" xmlns:p="http://schemas.openxmlformats.org/presentationml/2006/main">
   <p:cSld>
     <p:spTree>
@@ -10467,89 +10590,6 @@
 </p:sld>
 </file>
 
-<file path=ppt/slides/slide14.xml><?xml version="1.0" encoding="utf-8"?>
-<p:sld xmlns:a="http://schemas.openxmlformats.org/drawingml/2006/main" xmlns:r="http://schemas.openxmlformats.org/officeDocument/2006/relationships" xmlns:p="http://schemas.openxmlformats.org/presentationml/2006/main">
-  <p:cSld>
-    <p:spTree>
-      <p:nvGrpSpPr>
-        <p:cNvPr id="1" name=""/>
-        <p:cNvGrpSpPr/>
-        <p:nvPr/>
-      </p:nvGrpSpPr>
-      <p:grpSpPr>
-        <a:xfrm>
-          <a:off x="0" y="0"/>
-          <a:ext cx="0" cy="0"/>
-          <a:chOff x="0" y="0"/>
-          <a:chExt cx="0" cy="0"/>
-        </a:xfrm>
-      </p:grpSpPr>
-      <p:sp>
-        <p:nvSpPr>
-          <p:cNvPr id="2" name="Title 1">
-            <a:extLst>
-              <a:ext uri="{FF2B5EF4-FFF2-40B4-BE49-F238E27FC236}">
-                <a16:creationId xmlns:a16="http://schemas.microsoft.com/office/drawing/2014/main" id="{1F71019D-8C95-46C0-BC40-2A35A79C0DC2}"/>
-              </a:ext>
-            </a:extLst>
-          </p:cNvPr>
-          <p:cNvSpPr>
-            <a:spLocks noGrp="1"/>
-          </p:cNvSpPr>
-          <p:nvPr>
-            <p:ph type="title"/>
-          </p:nvPr>
-        </p:nvSpPr>
-        <p:spPr/>
-        <p:txBody>
-          <a:bodyPr/>
-          <a:lstStyle/>
-          <a:p>
-            <a:r>
-              <a:rPr lang="en-CA" dirty="0"/>
-              <a:t>GLM stuff goes here</a:t>
-            </a:r>
-          </a:p>
-        </p:txBody>
-      </p:sp>
-      <p:sp>
-        <p:nvSpPr>
-          <p:cNvPr id="3" name="Content Placeholder 2">
-            <a:extLst>
-              <a:ext uri="{FF2B5EF4-FFF2-40B4-BE49-F238E27FC236}">
-                <a16:creationId xmlns:a16="http://schemas.microsoft.com/office/drawing/2014/main" id="{18789BD5-7E8D-4A18-AE55-96CED2A2E6FD}"/>
-              </a:ext>
-            </a:extLst>
-          </p:cNvPr>
-          <p:cNvSpPr>
-            <a:spLocks noGrp="1"/>
-          </p:cNvSpPr>
-          <p:nvPr>
-            <p:ph idx="1"/>
-          </p:nvPr>
-        </p:nvSpPr>
-        <p:spPr/>
-        <p:txBody>
-          <a:bodyPr/>
-          <a:lstStyle/>
-          <a:p>
-            <a:endParaRPr lang="en-CA"/>
-          </a:p>
-        </p:txBody>
-      </p:sp>
-    </p:spTree>
-    <p:extLst>
-      <p:ext uri="{BB962C8B-B14F-4D97-AF65-F5344CB8AC3E}">
-        <p14:creationId xmlns:p14="http://schemas.microsoft.com/office/powerpoint/2010/main" val="580020275"/>
-      </p:ext>
-    </p:extLst>
-  </p:cSld>
-  <p:clrMapOvr>
-    <a:masterClrMapping/>
-  </p:clrMapOvr>
-</p:sld>
-</file>
-
 <file path=ppt/slides/slide15.xml><?xml version="1.0" encoding="utf-8"?>
 <p:sld xmlns:a="http://schemas.openxmlformats.org/drawingml/2006/main" xmlns:r="http://schemas.openxmlformats.org/officeDocument/2006/relationships" xmlns:p="http://schemas.openxmlformats.org/presentationml/2006/main">
   <p:cSld>
@@ -10572,6 +10612,89 @@
           <p:cNvPr id="2" name="Title 1">
             <a:extLst>
               <a:ext uri="{FF2B5EF4-FFF2-40B4-BE49-F238E27FC236}">
+                <a16:creationId xmlns:a16="http://schemas.microsoft.com/office/drawing/2014/main" id="{1F71019D-8C95-46C0-BC40-2A35A79C0DC2}"/>
+              </a:ext>
+            </a:extLst>
+          </p:cNvPr>
+          <p:cNvSpPr>
+            <a:spLocks noGrp="1"/>
+          </p:cNvSpPr>
+          <p:nvPr>
+            <p:ph type="title"/>
+          </p:nvPr>
+        </p:nvSpPr>
+        <p:spPr/>
+        <p:txBody>
+          <a:bodyPr/>
+          <a:lstStyle/>
+          <a:p>
+            <a:r>
+              <a:rPr lang="en-CA" dirty="0"/>
+              <a:t>GLM stuff goes here</a:t>
+            </a:r>
+          </a:p>
+        </p:txBody>
+      </p:sp>
+      <p:sp>
+        <p:nvSpPr>
+          <p:cNvPr id="3" name="Content Placeholder 2">
+            <a:extLst>
+              <a:ext uri="{FF2B5EF4-FFF2-40B4-BE49-F238E27FC236}">
+                <a16:creationId xmlns:a16="http://schemas.microsoft.com/office/drawing/2014/main" id="{18789BD5-7E8D-4A18-AE55-96CED2A2E6FD}"/>
+              </a:ext>
+            </a:extLst>
+          </p:cNvPr>
+          <p:cNvSpPr>
+            <a:spLocks noGrp="1"/>
+          </p:cNvSpPr>
+          <p:nvPr>
+            <p:ph idx="1"/>
+          </p:nvPr>
+        </p:nvSpPr>
+        <p:spPr/>
+        <p:txBody>
+          <a:bodyPr/>
+          <a:lstStyle/>
+          <a:p>
+            <a:endParaRPr lang="en-CA"/>
+          </a:p>
+        </p:txBody>
+      </p:sp>
+    </p:spTree>
+    <p:extLst>
+      <p:ext uri="{BB962C8B-B14F-4D97-AF65-F5344CB8AC3E}">
+        <p14:creationId xmlns:p14="http://schemas.microsoft.com/office/powerpoint/2010/main" val="580020275"/>
+      </p:ext>
+    </p:extLst>
+  </p:cSld>
+  <p:clrMapOvr>
+    <a:masterClrMapping/>
+  </p:clrMapOvr>
+</p:sld>
+</file>
+
+<file path=ppt/slides/slide16.xml><?xml version="1.0" encoding="utf-8"?>
+<p:sld xmlns:a="http://schemas.openxmlformats.org/drawingml/2006/main" xmlns:r="http://schemas.openxmlformats.org/officeDocument/2006/relationships" xmlns:p="http://schemas.openxmlformats.org/presentationml/2006/main">
+  <p:cSld>
+    <p:spTree>
+      <p:nvGrpSpPr>
+        <p:cNvPr id="1" name=""/>
+        <p:cNvGrpSpPr/>
+        <p:nvPr/>
+      </p:nvGrpSpPr>
+      <p:grpSpPr>
+        <a:xfrm>
+          <a:off x="0" y="0"/>
+          <a:ext cx="0" cy="0"/>
+          <a:chOff x="0" y="0"/>
+          <a:chExt cx="0" cy="0"/>
+        </a:xfrm>
+      </p:grpSpPr>
+      <p:sp>
+        <p:nvSpPr>
+          <p:cNvPr id="2" name="Title 1">
+            <a:extLst>
+              <a:ext uri="{FF2B5EF4-FFF2-40B4-BE49-F238E27FC236}">
                 <a16:creationId xmlns:a16="http://schemas.microsoft.com/office/drawing/2014/main" id="{DB37E812-CA1E-4E55-9103-BA9077843209}"/>
               </a:ext>
             </a:extLst>
@@ -10637,7 +10760,7 @@
 </p:sld>
 </file>
 
-<file path=ppt/slides/slide16.xml><?xml version="1.0" encoding="utf-8"?>
+<file path=ppt/slides/slide17.xml><?xml version="1.0" encoding="utf-8"?>
 <p:sld xmlns:a="http://schemas.openxmlformats.org/drawingml/2006/main" xmlns:r="http://schemas.openxmlformats.org/officeDocument/2006/relationships" xmlns:p="http://schemas.openxmlformats.org/presentationml/2006/main">
   <p:cSld>
     <p:spTree>
@@ -10784,7 +10907,7 @@
         <p:spPr/>
         <p:txBody>
           <a:bodyPr>
-            <a:normAutofit/>
+            <a:normAutofit fontScale="92500" lnSpcReduction="20000"/>
           </a:bodyPr>
           <a:lstStyle/>
           <a:p>
@@ -10818,7 +10941,13 @@
           <a:p>
             <a:r>
               <a:rPr lang="en-CA" dirty="0"/>
-              <a:t>Within line between individuals and between line variation</a:t>
+              <a:t>Biological questions</a:t>
+            </a:r>
+          </a:p>
+          <a:p>
+            <a:r>
+              <a:rPr lang="en-CA" dirty="0"/>
+              <a:t>Between line and within line variation</a:t>
             </a:r>
           </a:p>
           <a:p>

--- a/stats presentation.pptx
+++ b/stats presentation.pptx
@@ -5,7 +5,7 @@
     <p:sldMasterId id="2147483648" r:id="rId1"/>
   </p:sldMasterIdLst>
   <p:notesMasterIdLst>
-    <p:notesMasterId r:id="rId19"/>
+    <p:notesMasterId r:id="rId24"/>
   </p:notesMasterIdLst>
   <p:sldIdLst>
     <p:sldId id="256" r:id="rId2"/>
@@ -22,9 +22,14 @@
     <p:sldId id="265" r:id="rId13"/>
     <p:sldId id="267" r:id="rId14"/>
     <p:sldId id="268" r:id="rId15"/>
-    <p:sldId id="269" r:id="rId16"/>
-    <p:sldId id="270" r:id="rId17"/>
-    <p:sldId id="271" r:id="rId18"/>
+    <p:sldId id="273" r:id="rId16"/>
+    <p:sldId id="274" r:id="rId17"/>
+    <p:sldId id="269" r:id="rId18"/>
+    <p:sldId id="271" r:id="rId19"/>
+    <p:sldId id="270" r:id="rId20"/>
+    <p:sldId id="275" r:id="rId21"/>
+    <p:sldId id="276" r:id="rId22"/>
+    <p:sldId id="277" r:id="rId23"/>
   </p:sldIdLst>
   <p:sldSz cx="12192000" cy="6858000"/>
   <p:notesSz cx="6858000" cy="9144000"/>
@@ -129,6 +134,383 @@
     </p:ext>
   </p:extLst>
 </p:presentation>
+</file>
+
+<file path=ppt/commentAuthors.xml><?xml version="1.0" encoding="utf-8"?>
+<p:cmAuthorLst xmlns:a="http://schemas.openxmlformats.org/drawingml/2006/main" xmlns:r="http://schemas.openxmlformats.org/officeDocument/2006/relationships" xmlns:p="http://schemas.openxmlformats.org/presentationml/2006/main">
+  <p:cmAuthor id="1" name="Rajat Bhargava" initials="RB" lastIdx="2" clrIdx="0">
+    <p:extLst>
+      <p:ext uri="{19B8F6BF-5375-455C-9EA6-DF929625EA0E}">
+        <p15:presenceInfo xmlns:p15="http://schemas.microsoft.com/office/powerpoint/2012/main" userId="86a785362ea4e3c9" providerId="Windows Live"/>
+      </p:ext>
+    </p:extLst>
+  </p:cmAuthor>
+</p:cmAuthorLst>
+</file>
+
+<file path=ppt/revisionInfo.xml><?xml version="1.0" encoding="utf-8"?>
+<p1510:revInfo xmlns:a="http://schemas.openxmlformats.org/drawingml/2006/main" xmlns:r="http://schemas.openxmlformats.org/officeDocument/2006/relationships" xmlns:p1510="http://schemas.microsoft.com/office/powerpoint/2015/10/main">
+  <p1510:revLst>
+    <p1510:client id="{27BD2CCD-E72B-477B-815B-B1402DAA9B77}" v="22" dt="2021-04-13T02:43:59.147"/>
+  </p1510:revLst>
+</p1510:revInfo>
+</file>
+
+<file path=ppt/changesInfos/changesInfo1.xml><?xml version="1.0" encoding="utf-8"?>
+<pc:chgInfo xmlns:a="http://schemas.openxmlformats.org/drawingml/2006/main" xmlns:r="http://schemas.openxmlformats.org/officeDocument/2006/relationships" xmlns:ac="http://schemas.microsoft.com/office/drawing/2013/main/command" xmlns:pc="http://schemas.microsoft.com/office/powerpoint/2013/main/command">
+  <pc:docChgLst>
+    <pc:chgData name="Rajat Bhargava" userId="86a785362ea4e3c9" providerId="LiveId" clId="{27BD2CCD-E72B-477B-815B-B1402DAA9B77}"/>
+    <pc:docChg chg="custSel addSld modSld sldOrd">
+      <pc:chgData name="Rajat Bhargava" userId="86a785362ea4e3c9" providerId="LiveId" clId="{27BD2CCD-E72B-477B-815B-B1402DAA9B77}" dt="2021-04-13T02:58:13.359" v="2098" actId="1076"/>
+      <pc:docMkLst>
+        <pc:docMk/>
+      </pc:docMkLst>
+      <pc:sldChg chg="modSp mod">
+        <pc:chgData name="Rajat Bhargava" userId="86a785362ea4e3c9" providerId="LiveId" clId="{27BD2CCD-E72B-477B-815B-B1402DAA9B77}" dt="2021-04-13T02:58:13.359" v="2098" actId="1076"/>
+        <pc:sldMkLst>
+          <pc:docMk/>
+          <pc:sldMk cId="2280676653" sldId="258"/>
+        </pc:sldMkLst>
+        <pc:spChg chg="mod">
+          <ac:chgData name="Rajat Bhargava" userId="86a785362ea4e3c9" providerId="LiveId" clId="{27BD2CCD-E72B-477B-815B-B1402DAA9B77}" dt="2021-04-13T02:58:13.359" v="2098" actId="1076"/>
+          <ac:spMkLst>
+            <pc:docMk/>
+            <pc:sldMk cId="2280676653" sldId="258"/>
+            <ac:spMk id="2" creationId="{A97E3A19-4A57-4601-8026-B164001FD538}"/>
+          </ac:spMkLst>
+        </pc:spChg>
+        <pc:spChg chg="mod">
+          <ac:chgData name="Rajat Bhargava" userId="86a785362ea4e3c9" providerId="LiveId" clId="{27BD2CCD-E72B-477B-815B-B1402DAA9B77}" dt="2021-04-13T02:58:08.096" v="2097" actId="27636"/>
+          <ac:spMkLst>
+            <pc:docMk/>
+            <pc:sldMk cId="2280676653" sldId="258"/>
+            <ac:spMk id="3" creationId="{E66A405C-CEC4-4589-8549-9FA34196726A}"/>
+          </ac:spMkLst>
+        </pc:spChg>
+      </pc:sldChg>
+      <pc:sldChg chg="addSp delSp modSp mod ord">
+        <pc:chgData name="Rajat Bhargava" userId="86a785362ea4e3c9" providerId="LiveId" clId="{27BD2CCD-E72B-477B-815B-B1402DAA9B77}" dt="2021-04-12T23:57:52.487" v="474" actId="14100"/>
+        <pc:sldMkLst>
+          <pc:docMk/>
+          <pc:sldMk cId="580020275" sldId="269"/>
+        </pc:sldMkLst>
+        <pc:spChg chg="mod">
+          <ac:chgData name="Rajat Bhargava" userId="86a785362ea4e3c9" providerId="LiveId" clId="{27BD2CCD-E72B-477B-815B-B1402DAA9B77}" dt="2021-04-12T23:54:57.815" v="381" actId="20577"/>
+          <ac:spMkLst>
+            <pc:docMk/>
+            <pc:sldMk cId="580020275" sldId="269"/>
+            <ac:spMk id="2" creationId="{1F71019D-8C95-46C0-BC40-2A35A79C0DC2}"/>
+          </ac:spMkLst>
+        </pc:spChg>
+        <pc:spChg chg="del">
+          <ac:chgData name="Rajat Bhargava" userId="86a785362ea4e3c9" providerId="LiveId" clId="{27BD2CCD-E72B-477B-815B-B1402DAA9B77}" dt="2021-04-12T23:53:43.068" v="297" actId="478"/>
+          <ac:spMkLst>
+            <pc:docMk/>
+            <pc:sldMk cId="580020275" sldId="269"/>
+            <ac:spMk id="3" creationId="{18789BD5-7E8D-4A18-AE55-96CED2A2E6FD}"/>
+          </ac:spMkLst>
+        </pc:spChg>
+        <pc:spChg chg="add del">
+          <ac:chgData name="Rajat Bhargava" userId="86a785362ea4e3c9" providerId="LiveId" clId="{27BD2CCD-E72B-477B-815B-B1402DAA9B77}" dt="2021-04-12T23:57:02.353" v="470" actId="478"/>
+          <ac:spMkLst>
+            <pc:docMk/>
+            <pc:sldMk cId="580020275" sldId="269"/>
+            <ac:spMk id="6" creationId="{5A1E7F67-0D1B-4CC7-8A67-1079B488CB48}"/>
+          </ac:spMkLst>
+        </pc:spChg>
+        <pc:spChg chg="add del mod">
+          <ac:chgData name="Rajat Bhargava" userId="86a785362ea4e3c9" providerId="LiveId" clId="{27BD2CCD-E72B-477B-815B-B1402DAA9B77}" dt="2021-04-12T23:57:44.976" v="473" actId="478"/>
+          <ac:spMkLst>
+            <pc:docMk/>
+            <pc:sldMk cId="580020275" sldId="269"/>
+            <ac:spMk id="7" creationId="{B2423F58-22F4-4977-BF02-3340EE2585F2}"/>
+          </ac:spMkLst>
+        </pc:spChg>
+        <pc:picChg chg="add mod">
+          <ac:chgData name="Rajat Bhargava" userId="86a785362ea4e3c9" providerId="LiveId" clId="{27BD2CCD-E72B-477B-815B-B1402DAA9B77}" dt="2021-04-12T23:57:52.487" v="474" actId="14100"/>
+          <ac:picMkLst>
+            <pc:docMk/>
+            <pc:sldMk cId="580020275" sldId="269"/>
+            <ac:picMk id="5" creationId="{5CFA6909-4982-4410-8DFD-74303A0C96E2}"/>
+          </ac:picMkLst>
+        </pc:picChg>
+      </pc:sldChg>
+      <pc:sldChg chg="addSp delSp modSp mod modNotesTx">
+        <pc:chgData name="Rajat Bhargava" userId="86a785362ea4e3c9" providerId="LiveId" clId="{27BD2CCD-E72B-477B-815B-B1402DAA9B77}" dt="2021-04-13T00:14:03.004" v="1461" actId="1076"/>
+        <pc:sldMkLst>
+          <pc:docMk/>
+          <pc:sldMk cId="883621036" sldId="270"/>
+        </pc:sldMkLst>
+        <pc:spChg chg="mod">
+          <ac:chgData name="Rajat Bhargava" userId="86a785362ea4e3c9" providerId="LiveId" clId="{27BD2CCD-E72B-477B-815B-B1402DAA9B77}" dt="2021-04-13T00:02:04.141" v="550" actId="20577"/>
+          <ac:spMkLst>
+            <pc:docMk/>
+            <pc:sldMk cId="883621036" sldId="270"/>
+            <ac:spMk id="2" creationId="{DB37E812-CA1E-4E55-9103-BA9077843209}"/>
+          </ac:spMkLst>
+        </pc:spChg>
+        <pc:spChg chg="del">
+          <ac:chgData name="Rajat Bhargava" userId="86a785362ea4e3c9" providerId="LiveId" clId="{27BD2CCD-E72B-477B-815B-B1402DAA9B77}" dt="2021-04-12T23:55:52.249" v="463" actId="478"/>
+          <ac:spMkLst>
+            <pc:docMk/>
+            <pc:sldMk cId="883621036" sldId="270"/>
+            <ac:spMk id="3" creationId="{D94C00A5-DAF4-496A-88F9-C3CD5682FC55}"/>
+          </ac:spMkLst>
+        </pc:spChg>
+        <pc:picChg chg="add mod">
+          <ac:chgData name="Rajat Bhargava" userId="86a785362ea4e3c9" providerId="LiveId" clId="{27BD2CCD-E72B-477B-815B-B1402DAA9B77}" dt="2021-04-13T00:14:03.004" v="1461" actId="1076"/>
+          <ac:picMkLst>
+            <pc:docMk/>
+            <pc:sldMk cId="883621036" sldId="270"/>
+            <ac:picMk id="2050" creationId="{4358EAB1-3402-41D3-BEC6-7AA0CD13B0CA}"/>
+          </ac:picMkLst>
+        </pc:picChg>
+      </pc:sldChg>
+      <pc:sldChg chg="addSp delSp modSp mod ord">
+        <pc:chgData name="Rajat Bhargava" userId="86a785362ea4e3c9" providerId="LiveId" clId="{27BD2CCD-E72B-477B-815B-B1402DAA9B77}" dt="2021-04-13T00:01:47.815" v="521" actId="732"/>
+        <pc:sldMkLst>
+          <pc:docMk/>
+          <pc:sldMk cId="1662383433" sldId="271"/>
+        </pc:sldMkLst>
+        <pc:spChg chg="mod">
+          <ac:chgData name="Rajat Bhargava" userId="86a785362ea4e3c9" providerId="LiveId" clId="{27BD2CCD-E72B-477B-815B-B1402DAA9B77}" dt="2021-04-12T23:58:35.670" v="513" actId="1076"/>
+          <ac:spMkLst>
+            <pc:docMk/>
+            <pc:sldMk cId="1662383433" sldId="271"/>
+            <ac:spMk id="2" creationId="{CF00F8D5-ACAF-4CB7-9235-941E6443A509}"/>
+          </ac:spMkLst>
+        </pc:spChg>
+        <pc:spChg chg="del">
+          <ac:chgData name="Rajat Bhargava" userId="86a785362ea4e3c9" providerId="LiveId" clId="{27BD2CCD-E72B-477B-815B-B1402DAA9B77}" dt="2021-04-12T23:58:26.062" v="511" actId="478"/>
+          <ac:spMkLst>
+            <pc:docMk/>
+            <pc:sldMk cId="1662383433" sldId="271"/>
+            <ac:spMk id="3" creationId="{11DCDC71-8DBC-4D3E-B164-852F8221549C}"/>
+          </ac:spMkLst>
+        </pc:spChg>
+        <pc:picChg chg="add mod modCrop">
+          <ac:chgData name="Rajat Bhargava" userId="86a785362ea4e3c9" providerId="LiveId" clId="{27BD2CCD-E72B-477B-815B-B1402DAA9B77}" dt="2021-04-13T00:01:47.815" v="521" actId="732"/>
+          <ac:picMkLst>
+            <pc:docMk/>
+            <pc:sldMk cId="1662383433" sldId="271"/>
+            <ac:picMk id="5" creationId="{85BCE1C4-D7CC-4773-A150-1033E8BF721B}"/>
+          </ac:picMkLst>
+        </pc:picChg>
+      </pc:sldChg>
+      <pc:sldChg chg="addSp delSp modSp new mod">
+        <pc:chgData name="Rajat Bhargava" userId="86a785362ea4e3c9" providerId="LiveId" clId="{27BD2CCD-E72B-477B-815B-B1402DAA9B77}" dt="2021-04-12T20:18:42.063" v="186" actId="14100"/>
+        <pc:sldMkLst>
+          <pc:docMk/>
+          <pc:sldMk cId="384309396" sldId="273"/>
+        </pc:sldMkLst>
+        <pc:spChg chg="mod">
+          <ac:chgData name="Rajat Bhargava" userId="86a785362ea4e3c9" providerId="LiveId" clId="{27BD2CCD-E72B-477B-815B-B1402DAA9B77}" dt="2021-04-12T19:54:38.997" v="83" actId="1076"/>
+          <ac:spMkLst>
+            <pc:docMk/>
+            <pc:sldMk cId="384309396" sldId="273"/>
+            <ac:spMk id="2" creationId="{2F3AD41F-7EF1-4683-B087-2658741AAC83}"/>
+          </ac:spMkLst>
+        </pc:spChg>
+        <pc:spChg chg="del">
+          <ac:chgData name="Rajat Bhargava" userId="86a785362ea4e3c9" providerId="LiveId" clId="{27BD2CCD-E72B-477B-815B-B1402DAA9B77}" dt="2021-04-12T19:52:45.583" v="76" actId="478"/>
+          <ac:spMkLst>
+            <pc:docMk/>
+            <pc:sldMk cId="384309396" sldId="273"/>
+            <ac:spMk id="3" creationId="{A385D193-CDE8-4648-AB2A-1109ED6D47A6}"/>
+          </ac:spMkLst>
+        </pc:spChg>
+        <pc:spChg chg="add mod">
+          <ac:chgData name="Rajat Bhargava" userId="86a785362ea4e3c9" providerId="LiveId" clId="{27BD2CCD-E72B-477B-815B-B1402DAA9B77}" dt="2021-04-12T20:18:42.063" v="186" actId="14100"/>
+          <ac:spMkLst>
+            <pc:docMk/>
+            <pc:sldMk cId="384309396" sldId="273"/>
+            <ac:spMk id="6" creationId="{9F539EEB-04E9-418D-983C-E28FFA9BABD3}"/>
+          </ac:spMkLst>
+        </pc:spChg>
+        <pc:spChg chg="add mod">
+          <ac:chgData name="Rajat Bhargava" userId="86a785362ea4e3c9" providerId="LiveId" clId="{27BD2CCD-E72B-477B-815B-B1402DAA9B77}" dt="2021-04-12T20:15:48.149" v="185" actId="1076"/>
+          <ac:spMkLst>
+            <pc:docMk/>
+            <pc:sldMk cId="384309396" sldId="273"/>
+            <ac:spMk id="7" creationId="{C092FCC2-52C8-474E-8D0B-E072C299B776}"/>
+          </ac:spMkLst>
+        </pc:spChg>
+        <pc:picChg chg="add mod">
+          <ac:chgData name="Rajat Bhargava" userId="86a785362ea4e3c9" providerId="LiveId" clId="{27BD2CCD-E72B-477B-815B-B1402DAA9B77}" dt="2021-04-12T19:54:16.094" v="81" actId="14100"/>
+          <ac:picMkLst>
+            <pc:docMk/>
+            <pc:sldMk cId="384309396" sldId="273"/>
+            <ac:picMk id="5" creationId="{CC2C078F-860D-4590-A4C7-59313B60ECD4}"/>
+          </ac:picMkLst>
+        </pc:picChg>
+        <pc:picChg chg="add mod">
+          <ac:chgData name="Rajat Bhargava" userId="86a785362ea4e3c9" providerId="LiveId" clId="{27BD2CCD-E72B-477B-815B-B1402DAA9B77}" dt="2021-04-12T20:14:36.964" v="126" actId="1076"/>
+          <ac:picMkLst>
+            <pc:docMk/>
+            <pc:sldMk cId="384309396" sldId="273"/>
+            <ac:picMk id="8" creationId="{3AA9644A-CD45-4871-ABF9-7AC40284EE4F}"/>
+          </ac:picMkLst>
+        </pc:picChg>
+        <pc:picChg chg="add del">
+          <ac:chgData name="Rajat Bhargava" userId="86a785362ea4e3c9" providerId="LiveId" clId="{27BD2CCD-E72B-477B-815B-B1402DAA9B77}" dt="2021-04-12T20:13:27.240" v="89" actId="478"/>
+          <ac:picMkLst>
+            <pc:docMk/>
+            <pc:sldMk cId="384309396" sldId="273"/>
+            <ac:picMk id="1026" creationId="{0EA27D49-0A93-4005-A2C1-627AFFD6E754}"/>
+          </ac:picMkLst>
+        </pc:picChg>
+      </pc:sldChg>
+      <pc:sldChg chg="delSp modSp new mod">
+        <pc:chgData name="Rajat Bhargava" userId="86a785362ea4e3c9" providerId="LiveId" clId="{27BD2CCD-E72B-477B-815B-B1402DAA9B77}" dt="2021-04-12T23:55:41.677" v="462" actId="1076"/>
+        <pc:sldMkLst>
+          <pc:docMk/>
+          <pc:sldMk cId="3136576976" sldId="274"/>
+        </pc:sldMkLst>
+        <pc:spChg chg="mod">
+          <ac:chgData name="Rajat Bhargava" userId="86a785362ea4e3c9" providerId="LiveId" clId="{27BD2CCD-E72B-477B-815B-B1402DAA9B77}" dt="2021-04-12T23:55:41.677" v="462" actId="1076"/>
+          <ac:spMkLst>
+            <pc:docMk/>
+            <pc:sldMk cId="3136576976" sldId="274"/>
+            <ac:spMk id="2" creationId="{2001B5B5-A3B7-4A9B-99D6-4BB51654BEEF}"/>
+          </ac:spMkLst>
+        </pc:spChg>
+        <pc:spChg chg="del">
+          <ac:chgData name="Rajat Bhargava" userId="86a785362ea4e3c9" providerId="LiveId" clId="{27BD2CCD-E72B-477B-815B-B1402DAA9B77}" dt="2021-04-12T23:55:20.969" v="456" actId="478"/>
+          <ac:spMkLst>
+            <pc:docMk/>
+            <pc:sldMk cId="3136576976" sldId="274"/>
+            <ac:spMk id="3" creationId="{B66B440F-DCA9-4323-BB39-250AAEAEC89A}"/>
+          </ac:spMkLst>
+        </pc:spChg>
+      </pc:sldChg>
+      <pc:sldChg chg="addSp delSp modSp new mod addCm delCm">
+        <pc:chgData name="Rajat Bhargava" userId="86a785362ea4e3c9" providerId="LiveId" clId="{27BD2CCD-E72B-477B-815B-B1402DAA9B77}" dt="2021-04-13T00:53:20.763" v="1656" actId="14100"/>
+        <pc:sldMkLst>
+          <pc:docMk/>
+          <pc:sldMk cId="2144975852" sldId="275"/>
+        </pc:sldMkLst>
+        <pc:spChg chg="del mod">
+          <ac:chgData name="Rajat Bhargava" userId="86a785362ea4e3c9" providerId="LiveId" clId="{27BD2CCD-E72B-477B-815B-B1402DAA9B77}" dt="2021-04-13T00:27:15.367" v="1467" actId="478"/>
+          <ac:spMkLst>
+            <pc:docMk/>
+            <pc:sldMk cId="2144975852" sldId="275"/>
+            <ac:spMk id="2" creationId="{2DB05EAB-E788-4506-B22F-529DA190653F}"/>
+          </ac:spMkLst>
+        </pc:spChg>
+        <pc:spChg chg="del">
+          <ac:chgData name="Rajat Bhargava" userId="86a785362ea4e3c9" providerId="LiveId" clId="{27BD2CCD-E72B-477B-815B-B1402DAA9B77}" dt="2021-04-13T00:27:20.498" v="1468" actId="478"/>
+          <ac:spMkLst>
+            <pc:docMk/>
+            <pc:sldMk cId="2144975852" sldId="275"/>
+            <ac:spMk id="3" creationId="{030D5194-813B-4BF5-AD88-EBC3D3E26C41}"/>
+          </ac:spMkLst>
+        </pc:spChg>
+        <pc:spChg chg="add del mod">
+          <ac:chgData name="Rajat Bhargava" userId="86a785362ea4e3c9" providerId="LiveId" clId="{27BD2CCD-E72B-477B-815B-B1402DAA9B77}" dt="2021-04-13T00:39:46.788" v="1472"/>
+          <ac:spMkLst>
+            <pc:docMk/>
+            <pc:sldMk cId="2144975852" sldId="275"/>
+            <ac:spMk id="5" creationId="{6DD0F8A6-F037-4E4F-B258-BC32CDA7D56D}"/>
+          </ac:spMkLst>
+        </pc:spChg>
+        <pc:spChg chg="add mod">
+          <ac:chgData name="Rajat Bhargava" userId="86a785362ea4e3c9" providerId="LiveId" clId="{27BD2CCD-E72B-477B-815B-B1402DAA9B77}" dt="2021-04-13T00:51:26.518" v="1645" actId="1076"/>
+          <ac:spMkLst>
+            <pc:docMk/>
+            <pc:sldMk cId="2144975852" sldId="275"/>
+            <ac:spMk id="12" creationId="{382A1458-B74E-46D3-A63E-266C81C037F6}"/>
+          </ac:spMkLst>
+        </pc:spChg>
+        <pc:picChg chg="add del mod">
+          <ac:chgData name="Rajat Bhargava" userId="86a785362ea4e3c9" providerId="LiveId" clId="{27BD2CCD-E72B-477B-815B-B1402DAA9B77}" dt="2021-04-13T00:41:24.370" v="1480" actId="478"/>
+          <ac:picMkLst>
+            <pc:docMk/>
+            <pc:sldMk cId="2144975852" sldId="275"/>
+            <ac:picMk id="7" creationId="{0D9613FA-E369-446C-8227-17043860F533}"/>
+          </ac:picMkLst>
+        </pc:picChg>
+        <pc:picChg chg="add mod modCrop">
+          <ac:chgData name="Rajat Bhargava" userId="86a785362ea4e3c9" providerId="LiveId" clId="{27BD2CCD-E72B-477B-815B-B1402DAA9B77}" dt="2021-04-13T00:53:12.044" v="1655" actId="14100"/>
+          <ac:picMkLst>
+            <pc:docMk/>
+            <pc:sldMk cId="2144975852" sldId="275"/>
+            <ac:picMk id="9" creationId="{FD8A18B9-D712-4D54-BFC3-5D520A140328}"/>
+          </ac:picMkLst>
+        </pc:picChg>
+        <pc:picChg chg="add mod modCrop">
+          <ac:chgData name="Rajat Bhargava" userId="86a785362ea4e3c9" providerId="LiveId" clId="{27BD2CCD-E72B-477B-815B-B1402DAA9B77}" dt="2021-04-13T00:53:20.763" v="1656" actId="14100"/>
+          <ac:picMkLst>
+            <pc:docMk/>
+            <pc:sldMk cId="2144975852" sldId="275"/>
+            <ac:picMk id="11" creationId="{B70C5BC5-4E0D-4429-89E2-0DA76B87DE6C}"/>
+          </ac:picMkLst>
+        </pc:picChg>
+      </pc:sldChg>
+      <pc:sldChg chg="addSp delSp modSp new mod">
+        <pc:chgData name="Rajat Bhargava" userId="86a785362ea4e3c9" providerId="LiveId" clId="{27BD2CCD-E72B-477B-815B-B1402DAA9B77}" dt="2021-04-13T02:28:17.844" v="1710" actId="1076"/>
+        <pc:sldMkLst>
+          <pc:docMk/>
+          <pc:sldMk cId="1864658207" sldId="276"/>
+        </pc:sldMkLst>
+        <pc:spChg chg="mod">
+          <ac:chgData name="Rajat Bhargava" userId="86a785362ea4e3c9" providerId="LiveId" clId="{27BD2CCD-E72B-477B-815B-B1402DAA9B77}" dt="2021-04-13T02:28:14.185" v="1709" actId="1076"/>
+          <ac:spMkLst>
+            <pc:docMk/>
+            <pc:sldMk cId="1864658207" sldId="276"/>
+            <ac:spMk id="2" creationId="{5D29FB0E-1B43-4ABD-96D9-18EDD1709CB8}"/>
+          </ac:spMkLst>
+        </pc:spChg>
+        <pc:spChg chg="del">
+          <ac:chgData name="Rajat Bhargava" userId="86a785362ea4e3c9" providerId="LiveId" clId="{27BD2CCD-E72B-477B-815B-B1402DAA9B77}" dt="2021-04-13T00:51:15.887" v="1642" actId="478"/>
+          <ac:spMkLst>
+            <pc:docMk/>
+            <pc:sldMk cId="1864658207" sldId="276"/>
+            <ac:spMk id="3" creationId="{C5C7AD2F-D1D9-4263-8114-91AA86BFC0B9}"/>
+          </ac:spMkLst>
+        </pc:spChg>
+        <pc:picChg chg="add mod modCrop">
+          <ac:chgData name="Rajat Bhargava" userId="86a785362ea4e3c9" providerId="LiveId" clId="{27BD2CCD-E72B-477B-815B-B1402DAA9B77}" dt="2021-04-13T02:28:17.844" v="1710" actId="1076"/>
+          <ac:picMkLst>
+            <pc:docMk/>
+            <pc:sldMk cId="1864658207" sldId="276"/>
+            <ac:picMk id="5" creationId="{BCA2726E-8D2C-4AE3-A79F-5B33983F2467}"/>
+          </ac:picMkLst>
+        </pc:picChg>
+      </pc:sldChg>
+      <pc:sldChg chg="addSp delSp modSp new mod">
+        <pc:chgData name="Rajat Bhargava" userId="86a785362ea4e3c9" providerId="LiveId" clId="{27BD2CCD-E72B-477B-815B-B1402DAA9B77}" dt="2021-04-13T02:45:20.424" v="1806" actId="1076"/>
+        <pc:sldMkLst>
+          <pc:docMk/>
+          <pc:sldMk cId="1959459171" sldId="277"/>
+        </pc:sldMkLst>
+        <pc:spChg chg="mod">
+          <ac:chgData name="Rajat Bhargava" userId="86a785362ea4e3c9" providerId="LiveId" clId="{27BD2CCD-E72B-477B-815B-B1402DAA9B77}" dt="2021-04-13T02:44:55.263" v="1803" actId="1076"/>
+          <ac:spMkLst>
+            <pc:docMk/>
+            <pc:sldMk cId="1959459171" sldId="277"/>
+            <ac:spMk id="2" creationId="{EA08CB68-1BA4-410E-840D-C7BEAD13A12B}"/>
+          </ac:spMkLst>
+        </pc:spChg>
+        <pc:spChg chg="del mod">
+          <ac:chgData name="Rajat Bhargava" userId="86a785362ea4e3c9" providerId="LiveId" clId="{27BD2CCD-E72B-477B-815B-B1402DAA9B77}" dt="2021-04-13T02:43:58.622" v="1799" actId="478"/>
+          <ac:spMkLst>
+            <pc:docMk/>
+            <pc:sldMk cId="1959459171" sldId="277"/>
+            <ac:spMk id="3" creationId="{C222816D-8F06-4615-B738-A2ACBFFF2159}"/>
+          </ac:spMkLst>
+        </pc:spChg>
+        <pc:picChg chg="add mod modCrop">
+          <ac:chgData name="Rajat Bhargava" userId="86a785362ea4e3c9" providerId="LiveId" clId="{27BD2CCD-E72B-477B-815B-B1402DAA9B77}" dt="2021-04-13T02:45:20.424" v="1806" actId="1076"/>
+          <ac:picMkLst>
+            <pc:docMk/>
+            <pc:sldMk cId="1959459171" sldId="277"/>
+            <ac:picMk id="4" creationId="{529D761B-86CB-4552-A3CA-C321B866D32C}"/>
+          </ac:picMkLst>
+        </pc:picChg>
+      </pc:sldChg>
+    </pc:docChg>
+  </pc:docChgLst>
+</pc:chgInfo>
 </file>
 
 <file path=ppt/notesMasters/notesMaster1.xml><?xml version="1.0" encoding="utf-8"?>
@@ -1013,6 +1395,792 @@
     <p:extLst>
       <p:ext uri="{BB962C8B-B14F-4D97-AF65-F5344CB8AC3E}">
         <p14:creationId xmlns:p14="http://schemas.microsoft.com/office/powerpoint/2010/main" val="794143665"/>
+      </p:ext>
+    </p:extLst>
+  </p:cSld>
+  <p:clrMapOvr>
+    <a:masterClrMapping/>
+  </p:clrMapOvr>
+</p:notes>
+</file>
+
+<file path=ppt/notesSlides/notesSlide13.xml><?xml version="1.0" encoding="utf-8"?>
+<p:notes xmlns:a="http://schemas.openxmlformats.org/drawingml/2006/main" xmlns:r="http://schemas.openxmlformats.org/officeDocument/2006/relationships" xmlns:p="http://schemas.openxmlformats.org/presentationml/2006/main">
+  <p:cSld>
+    <p:spTree>
+      <p:nvGrpSpPr>
+        <p:cNvPr id="1" name=""/>
+        <p:cNvGrpSpPr/>
+        <p:nvPr/>
+      </p:nvGrpSpPr>
+      <p:grpSpPr>
+        <a:xfrm>
+          <a:off x="0" y="0"/>
+          <a:ext cx="0" cy="0"/>
+          <a:chOff x="0" y="0"/>
+          <a:chExt cx="0" cy="0"/>
+        </a:xfrm>
+      </p:grpSpPr>
+      <p:sp>
+        <p:nvSpPr>
+          <p:cNvPr id="2" name="Slide Image Placeholder 1"/>
+          <p:cNvSpPr>
+            <a:spLocks noGrp="1" noRot="1" noChangeAspect="1"/>
+          </p:cNvSpPr>
+          <p:nvPr>
+            <p:ph type="sldImg"/>
+          </p:nvPr>
+        </p:nvSpPr>
+        <p:spPr/>
+      </p:sp>
+      <p:sp>
+        <p:nvSpPr>
+          <p:cNvPr id="3" name="Notes Placeholder 2"/>
+          <p:cNvSpPr>
+            <a:spLocks noGrp="1"/>
+          </p:cNvSpPr>
+          <p:nvPr>
+            <p:ph type="body" idx="1"/>
+          </p:nvPr>
+        </p:nvSpPr>
+        <p:spPr/>
+        <p:txBody>
+          <a:bodyPr/>
+          <a:lstStyle/>
+          <a:p>
+            <a:endParaRPr lang="en-CA" dirty="0"/>
+          </a:p>
+        </p:txBody>
+      </p:sp>
+      <p:sp>
+        <p:nvSpPr>
+          <p:cNvPr id="4" name="Slide Number Placeholder 3"/>
+          <p:cNvSpPr>
+            <a:spLocks noGrp="1"/>
+          </p:cNvSpPr>
+          <p:nvPr>
+            <p:ph type="sldNum" sz="quarter" idx="5"/>
+          </p:nvPr>
+        </p:nvSpPr>
+        <p:spPr/>
+        <p:txBody>
+          <a:bodyPr/>
+          <a:lstStyle/>
+          <a:p>
+            <a:fld id="{4816D62B-C50E-417B-83A6-FFA84A8D2526}" type="slidenum">
+              <a:rPr lang="en-CA" smtClean="0"/>
+              <a:t>15</a:t>
+            </a:fld>
+            <a:endParaRPr lang="en-CA"/>
+          </a:p>
+        </p:txBody>
+      </p:sp>
+    </p:spTree>
+    <p:extLst>
+      <p:ext uri="{BB962C8B-B14F-4D97-AF65-F5344CB8AC3E}">
+        <p14:creationId xmlns:p14="http://schemas.microsoft.com/office/powerpoint/2010/main" val="2445876521"/>
+      </p:ext>
+    </p:extLst>
+  </p:cSld>
+  <p:clrMapOvr>
+    <a:masterClrMapping/>
+  </p:clrMapOvr>
+</p:notes>
+</file>
+
+<file path=ppt/notesSlides/notesSlide14.xml><?xml version="1.0" encoding="utf-8"?>
+<p:notes xmlns:a="http://schemas.openxmlformats.org/drawingml/2006/main" xmlns:r="http://schemas.openxmlformats.org/officeDocument/2006/relationships" xmlns:p="http://schemas.openxmlformats.org/presentationml/2006/main">
+  <p:cSld>
+    <p:spTree>
+      <p:nvGrpSpPr>
+        <p:cNvPr id="1" name=""/>
+        <p:cNvGrpSpPr/>
+        <p:nvPr/>
+      </p:nvGrpSpPr>
+      <p:grpSpPr>
+        <a:xfrm>
+          <a:off x="0" y="0"/>
+          <a:ext cx="0" cy="0"/>
+          <a:chOff x="0" y="0"/>
+          <a:chExt cx="0" cy="0"/>
+        </a:xfrm>
+      </p:grpSpPr>
+      <p:sp>
+        <p:nvSpPr>
+          <p:cNvPr id="2" name="Slide Image Placeholder 1"/>
+          <p:cNvSpPr>
+            <a:spLocks noGrp="1" noRot="1" noChangeAspect="1"/>
+          </p:cNvSpPr>
+          <p:nvPr>
+            <p:ph type="sldImg"/>
+          </p:nvPr>
+        </p:nvSpPr>
+        <p:spPr/>
+      </p:sp>
+      <p:sp>
+        <p:nvSpPr>
+          <p:cNvPr id="3" name="Notes Placeholder 2"/>
+          <p:cNvSpPr>
+            <a:spLocks noGrp="1"/>
+          </p:cNvSpPr>
+          <p:nvPr>
+            <p:ph type="body" idx="1"/>
+          </p:nvPr>
+        </p:nvSpPr>
+        <p:spPr/>
+        <p:txBody>
+          <a:bodyPr/>
+          <a:lstStyle/>
+          <a:p>
+            <a:endParaRPr lang="en-CA" dirty="0"/>
+          </a:p>
+        </p:txBody>
+      </p:sp>
+      <p:sp>
+        <p:nvSpPr>
+          <p:cNvPr id="4" name="Slide Number Placeholder 3"/>
+          <p:cNvSpPr>
+            <a:spLocks noGrp="1"/>
+          </p:cNvSpPr>
+          <p:nvPr>
+            <p:ph type="sldNum" sz="quarter" idx="5"/>
+          </p:nvPr>
+        </p:nvSpPr>
+        <p:spPr/>
+        <p:txBody>
+          <a:bodyPr/>
+          <a:lstStyle/>
+          <a:p>
+            <a:fld id="{4816D62B-C50E-417B-83A6-FFA84A8D2526}" type="slidenum">
+              <a:rPr lang="en-CA" smtClean="0"/>
+              <a:t>17</a:t>
+            </a:fld>
+            <a:endParaRPr lang="en-CA"/>
+          </a:p>
+        </p:txBody>
+      </p:sp>
+    </p:spTree>
+    <p:extLst>
+      <p:ext uri="{BB962C8B-B14F-4D97-AF65-F5344CB8AC3E}">
+        <p14:creationId xmlns:p14="http://schemas.microsoft.com/office/powerpoint/2010/main" val="2533059156"/>
+      </p:ext>
+    </p:extLst>
+  </p:cSld>
+  <p:clrMapOvr>
+    <a:masterClrMapping/>
+  </p:clrMapOvr>
+</p:notes>
+</file>
+
+<file path=ppt/notesSlides/notesSlide15.xml><?xml version="1.0" encoding="utf-8"?>
+<p:notes xmlns:a="http://schemas.openxmlformats.org/drawingml/2006/main" xmlns:r="http://schemas.openxmlformats.org/officeDocument/2006/relationships" xmlns:p="http://schemas.openxmlformats.org/presentationml/2006/main">
+  <p:cSld>
+    <p:spTree>
+      <p:nvGrpSpPr>
+        <p:cNvPr id="1" name=""/>
+        <p:cNvGrpSpPr/>
+        <p:nvPr/>
+      </p:nvGrpSpPr>
+      <p:grpSpPr>
+        <a:xfrm>
+          <a:off x="0" y="0"/>
+          <a:ext cx="0" cy="0"/>
+          <a:chOff x="0" y="0"/>
+          <a:chExt cx="0" cy="0"/>
+        </a:xfrm>
+      </p:grpSpPr>
+      <p:sp>
+        <p:nvSpPr>
+          <p:cNvPr id="2" name="Slide Image Placeholder 1"/>
+          <p:cNvSpPr>
+            <a:spLocks noGrp="1" noRot="1" noChangeAspect="1"/>
+          </p:cNvSpPr>
+          <p:nvPr>
+            <p:ph type="sldImg"/>
+          </p:nvPr>
+        </p:nvSpPr>
+        <p:spPr/>
+      </p:sp>
+      <p:sp>
+        <p:nvSpPr>
+          <p:cNvPr id="3" name="Notes Placeholder 2"/>
+          <p:cNvSpPr>
+            <a:spLocks noGrp="1"/>
+          </p:cNvSpPr>
+          <p:nvPr>
+            <p:ph type="body" idx="1"/>
+          </p:nvPr>
+        </p:nvSpPr>
+        <p:spPr/>
+        <p:txBody>
+          <a:bodyPr/>
+          <a:lstStyle/>
+          <a:p>
+            <a:r>
+              <a:rPr lang="en-US" b="0" i="0" dirty="0">
+                <a:solidFill>
+                  <a:srgbClr val="333333"/>
+                </a:solidFill>
+                <a:effectLst/>
+                <a:latin typeface="Helvetica Neue"/>
+              </a:rPr>
+              <a:t>It is very common for overfitted mixed models to result in singular fits. Technically, singularity means that some of the </a:t>
+            </a:r>
+            <a:r>
+              <a:rPr lang="en-US" b="0" i="0" u="none" strike="noStrike" dirty="0" err="1">
+                <a:solidFill>
+                  <a:srgbClr val="333333"/>
+                </a:solidFill>
+                <a:effectLst/>
+                <a:latin typeface="MathJax_Math-bold-italic"/>
+              </a:rPr>
+              <a:t>θ</a:t>
+            </a:r>
+            <a:r>
+              <a:rPr lang="en-US" b="0" i="0" u="none" strike="noStrike" dirty="0" err="1">
+                <a:solidFill>
+                  <a:srgbClr val="333333"/>
+                </a:solidFill>
+                <a:effectLst/>
+                <a:latin typeface="Helvetica Neue"/>
+              </a:rPr>
+              <a:t>θ</a:t>
+            </a:r>
+            <a:r>
+              <a:rPr lang="en-US" b="0" i="0" dirty="0">
+                <a:solidFill>
+                  <a:srgbClr val="333333"/>
+                </a:solidFill>
+                <a:effectLst/>
+                <a:latin typeface="Helvetica Neue"/>
+              </a:rPr>
+              <a:t> (variance-covariance Cholesky decomposition) parameters corresponding to diagonal elements of the Cholesky factor are exactly zero, which is the edge of the feasible space, or equivalently that the </a:t>
+            </a:r>
+            <a:r>
+              <a:rPr lang="en-US" dirty="0"/>
+              <a:t>variance-covariance matrix has some zero eigenvalues</a:t>
+            </a:r>
+            <a:r>
+              <a:rPr lang="en-US" b="0" i="0" dirty="0">
+                <a:solidFill>
+                  <a:srgbClr val="333333"/>
+                </a:solidFill>
+                <a:effectLst/>
+                <a:latin typeface="Helvetica Neue"/>
+              </a:rPr>
+              <a:t> (i.e. is positive semidefinite rather than positive definite), or (</a:t>
+            </a:r>
+            <a:r>
+              <a:rPr lang="en-US" b="0" i="1" dirty="0">
+                <a:solidFill>
+                  <a:srgbClr val="333333"/>
+                </a:solidFill>
+                <a:effectLst/>
+                <a:latin typeface="Helvetica Neue"/>
+              </a:rPr>
+              <a:t>almost</a:t>
+            </a:r>
+            <a:r>
+              <a:rPr lang="en-US" b="0" i="0" dirty="0">
+                <a:solidFill>
+                  <a:srgbClr val="333333"/>
+                </a:solidFill>
+                <a:effectLst/>
+                <a:latin typeface="Helvetica Neue"/>
+              </a:rPr>
+              <a:t> equivalently) that some of the variances are estimated as zero or some of the correlations are estimated as +/-1. This commonly occurs in one of two scenarios:</a:t>
+            </a:r>
+          </a:p>
+          <a:p>
+            <a:endParaRPr lang="en-US" b="0" i="0" dirty="0">
+              <a:solidFill>
+                <a:srgbClr val="333333"/>
+              </a:solidFill>
+              <a:effectLst/>
+              <a:latin typeface="Helvetica Neue"/>
+            </a:endParaRPr>
+          </a:p>
+          <a:p>
+            <a:r>
+              <a:rPr lang="en-US" b="0" i="0" dirty="0">
+                <a:solidFill>
+                  <a:srgbClr val="333333"/>
+                </a:solidFill>
+                <a:effectLst/>
+                <a:latin typeface="Helvetica Neue"/>
+              </a:rPr>
+              <a:t>S</a:t>
+            </a:r>
+            <a:r>
+              <a:rPr lang="en-US" dirty="0"/>
+              <a:t>mall numbers of random-effect levels</a:t>
+            </a:r>
+            <a:r>
+              <a:rPr lang="en-US" b="0" i="0" dirty="0">
+                <a:solidFill>
+                  <a:srgbClr val="333333"/>
+                </a:solidFill>
+                <a:effectLst/>
+                <a:latin typeface="Helvetica Neue"/>
+              </a:rPr>
+              <a:t> (e.g. &lt;5), as illustrated in </a:t>
+            </a:r>
+            <a:r>
+              <a:rPr lang="en-US" b="0" i="0" u="none" strike="noStrike" dirty="0">
+                <a:solidFill>
+                  <a:srgbClr val="337AB7"/>
+                </a:solidFill>
+                <a:effectLst/>
+                <a:latin typeface="Helvetica Neue"/>
+                <a:hlinkClick r:id="rId3"/>
+              </a:rPr>
+              <a:t>these simulations</a:t>
+            </a:r>
+            <a:r>
+              <a:rPr lang="en-US" b="0" i="0" dirty="0">
+                <a:solidFill>
+                  <a:srgbClr val="333333"/>
+                </a:solidFill>
+                <a:effectLst/>
+                <a:latin typeface="Helvetica Neue"/>
+              </a:rPr>
+              <a:t> and discussed (in a somewhat different, Bayesian context) by Gelman (2006).</a:t>
+            </a:r>
+            <a:r>
+              <a:rPr lang="en-CA" b="0" i="0" dirty="0">
+                <a:solidFill>
+                  <a:srgbClr val="333333"/>
+                </a:solidFill>
+                <a:effectLst/>
+                <a:latin typeface="Helvetica Neue"/>
+              </a:rPr>
+              <a:t> This is the case for our dataset with regards to replicates.</a:t>
+            </a:r>
+          </a:p>
+          <a:p>
+            <a:endParaRPr lang="en-CA" b="0" i="0" dirty="0">
+              <a:solidFill>
+                <a:srgbClr val="333333"/>
+              </a:solidFill>
+              <a:effectLst/>
+              <a:latin typeface="Helvetica Neue"/>
+            </a:endParaRPr>
+          </a:p>
+          <a:p>
+            <a:pPr algn="l">
+              <a:buFont typeface="Arial" panose="020B0604020202020204" pitchFamily="34" charset="0"/>
+              <a:buNone/>
+            </a:pPr>
+            <a:r>
+              <a:rPr lang="en-US" b="0" i="0" dirty="0">
+                <a:solidFill>
+                  <a:srgbClr val="333333"/>
+                </a:solidFill>
+                <a:effectLst/>
+                <a:latin typeface="Helvetica Neue"/>
+              </a:rPr>
+              <a:t>Complex random-effects models, e.g. models of the form (</a:t>
+            </a:r>
+            <a:r>
+              <a:rPr lang="en-US" b="0" i="0" dirty="0" err="1">
+                <a:solidFill>
+                  <a:srgbClr val="333333"/>
+                </a:solidFill>
+                <a:effectLst/>
+                <a:latin typeface="Helvetica Neue"/>
+              </a:rPr>
+              <a:t>f|g</a:t>
+            </a:r>
+            <a:r>
+              <a:rPr lang="en-US" b="0" i="0" dirty="0">
+                <a:solidFill>
+                  <a:srgbClr val="333333"/>
+                </a:solidFill>
+                <a:effectLst/>
+                <a:latin typeface="Helvetica Neue"/>
+              </a:rPr>
+              <a:t>) where f is a categorical variable with a relatively large number of levels. This isn’t necessarily applicable to our dataset, considering there are 9 levels for the mutant term.</a:t>
+            </a:r>
+          </a:p>
+          <a:p>
+            <a:pPr algn="l">
+              <a:buFont typeface="Arial" panose="020B0604020202020204" pitchFamily="34" charset="0"/>
+              <a:buNone/>
+            </a:pPr>
+            <a:endParaRPr lang="en-US" b="0" i="0" dirty="0">
+              <a:solidFill>
+                <a:srgbClr val="333333"/>
+              </a:solidFill>
+              <a:effectLst/>
+              <a:latin typeface="Helvetica Neue"/>
+            </a:endParaRPr>
+          </a:p>
+          <a:p>
+            <a:pPr algn="l">
+              <a:buFont typeface="Arial" panose="020B0604020202020204" pitchFamily="34" charset="0"/>
+              <a:buNone/>
+            </a:pPr>
+            <a:r>
+              <a:rPr lang="en-US" b="0" i="0" dirty="0">
+                <a:solidFill>
+                  <a:srgbClr val="333333"/>
+                </a:solidFill>
+                <a:effectLst/>
+                <a:latin typeface="Helvetica Neue"/>
+              </a:rPr>
+              <a:t>When singularity occurs, variance values are estimated as zero potentially, or correlation values that are derived from variance values may be estimated as -1 or + 1. </a:t>
+            </a:r>
+          </a:p>
+          <a:p>
+            <a:pPr algn="l">
+              <a:buFont typeface="Arial" panose="020B0604020202020204" pitchFamily="34" charset="0"/>
+              <a:buNone/>
+            </a:pPr>
+            <a:endParaRPr lang="en-US" b="0" i="0" dirty="0">
+              <a:solidFill>
+                <a:srgbClr val="333333"/>
+              </a:solidFill>
+              <a:effectLst/>
+              <a:latin typeface="Helvetica Neue"/>
+            </a:endParaRPr>
+          </a:p>
+          <a:p>
+            <a:pPr algn="l">
+              <a:buFont typeface="Arial" panose="020B0604020202020204" pitchFamily="34" charset="0"/>
+              <a:buNone/>
+            </a:pPr>
+            <a:r>
+              <a:rPr lang="en-US" b="0" i="0" dirty="0">
+                <a:solidFill>
+                  <a:srgbClr val="333333"/>
+                </a:solidFill>
+                <a:effectLst/>
+                <a:latin typeface="Helvetica Neue"/>
+              </a:rPr>
+              <a:t>One of the recommendations regarding singularity is the following: </a:t>
+            </a:r>
+            <a:r>
+              <a:rPr lang="en-US" dirty="0"/>
+              <a:t>“fit the model with the random factor as a fixed effect, get the level coefficients in the sum to zero form, and then compute the standard deviation of the coefficients.”</a:t>
+            </a:r>
+            <a:r>
+              <a:rPr lang="en-US" b="0" i="0" dirty="0">
+                <a:solidFill>
+                  <a:srgbClr val="333333"/>
+                </a:solidFill>
+                <a:effectLst/>
+                <a:latin typeface="Helvetica Neue"/>
+              </a:rPr>
+              <a:t> We decided to following this recommendation. </a:t>
+            </a:r>
+          </a:p>
+          <a:p>
+            <a:pPr algn="l">
+              <a:buFont typeface="Arial" panose="020B0604020202020204" pitchFamily="34" charset="0"/>
+              <a:buNone/>
+            </a:pPr>
+            <a:endParaRPr lang="en-US" b="0" i="0" dirty="0">
+              <a:solidFill>
+                <a:srgbClr val="333333"/>
+              </a:solidFill>
+              <a:effectLst/>
+              <a:latin typeface="Helvetica Neue"/>
+            </a:endParaRPr>
+          </a:p>
+          <a:p>
+            <a:pPr algn="l">
+              <a:buFont typeface="Arial" panose="020B0604020202020204" pitchFamily="34" charset="0"/>
+              <a:buNone/>
+            </a:pPr>
+            <a:endParaRPr lang="en-US" b="0" i="0" dirty="0">
+              <a:solidFill>
+                <a:srgbClr val="333333"/>
+              </a:solidFill>
+              <a:effectLst/>
+              <a:latin typeface="Helvetica Neue"/>
+            </a:endParaRPr>
+          </a:p>
+        </p:txBody>
+      </p:sp>
+      <p:sp>
+        <p:nvSpPr>
+          <p:cNvPr id="4" name="Slide Number Placeholder 3"/>
+          <p:cNvSpPr>
+            <a:spLocks noGrp="1"/>
+          </p:cNvSpPr>
+          <p:nvPr>
+            <p:ph type="sldNum" sz="quarter" idx="5"/>
+          </p:nvPr>
+        </p:nvSpPr>
+        <p:spPr/>
+        <p:txBody>
+          <a:bodyPr/>
+          <a:lstStyle/>
+          <a:p>
+            <a:fld id="{4816D62B-C50E-417B-83A6-FFA84A8D2526}" type="slidenum">
+              <a:rPr lang="en-CA" smtClean="0"/>
+              <a:t>19</a:t>
+            </a:fld>
+            <a:endParaRPr lang="en-CA"/>
+          </a:p>
+        </p:txBody>
+      </p:sp>
+    </p:spTree>
+    <p:extLst>
+      <p:ext uri="{BB962C8B-B14F-4D97-AF65-F5344CB8AC3E}">
+        <p14:creationId xmlns:p14="http://schemas.microsoft.com/office/powerpoint/2010/main" val="374827574"/>
+      </p:ext>
+    </p:extLst>
+  </p:cSld>
+  <p:clrMapOvr>
+    <a:masterClrMapping/>
+  </p:clrMapOvr>
+</p:notes>
+</file>
+
+<file path=ppt/notesSlides/notesSlide16.xml><?xml version="1.0" encoding="utf-8"?>
+<p:notes xmlns:a="http://schemas.openxmlformats.org/drawingml/2006/main" xmlns:r="http://schemas.openxmlformats.org/officeDocument/2006/relationships" xmlns:p="http://schemas.openxmlformats.org/presentationml/2006/main">
+  <p:cSld>
+    <p:spTree>
+      <p:nvGrpSpPr>
+        <p:cNvPr id="1" name=""/>
+        <p:cNvGrpSpPr/>
+        <p:nvPr/>
+      </p:nvGrpSpPr>
+      <p:grpSpPr>
+        <a:xfrm>
+          <a:off x="0" y="0"/>
+          <a:ext cx="0" cy="0"/>
+          <a:chOff x="0" y="0"/>
+          <a:chExt cx="0" cy="0"/>
+        </a:xfrm>
+      </p:grpSpPr>
+      <p:sp>
+        <p:nvSpPr>
+          <p:cNvPr id="2" name="Slide Image Placeholder 1"/>
+          <p:cNvSpPr>
+            <a:spLocks noGrp="1" noRot="1" noChangeAspect="1"/>
+          </p:cNvSpPr>
+          <p:nvPr>
+            <p:ph type="sldImg"/>
+          </p:nvPr>
+        </p:nvSpPr>
+        <p:spPr/>
+      </p:sp>
+      <p:sp>
+        <p:nvSpPr>
+          <p:cNvPr id="3" name="Notes Placeholder 2"/>
+          <p:cNvSpPr>
+            <a:spLocks noGrp="1"/>
+          </p:cNvSpPr>
+          <p:nvPr>
+            <p:ph type="body" idx="1"/>
+          </p:nvPr>
+        </p:nvSpPr>
+        <p:spPr/>
+        <p:txBody>
+          <a:bodyPr/>
+          <a:lstStyle/>
+          <a:p>
+            <a:endParaRPr lang="en-CA" dirty="0"/>
+          </a:p>
+        </p:txBody>
+      </p:sp>
+      <p:sp>
+        <p:nvSpPr>
+          <p:cNvPr id="4" name="Slide Number Placeholder 3"/>
+          <p:cNvSpPr>
+            <a:spLocks noGrp="1"/>
+          </p:cNvSpPr>
+          <p:nvPr>
+            <p:ph type="sldNum" sz="quarter" idx="5"/>
+          </p:nvPr>
+        </p:nvSpPr>
+        <p:spPr/>
+        <p:txBody>
+          <a:bodyPr/>
+          <a:lstStyle/>
+          <a:p>
+            <a:fld id="{4816D62B-C50E-417B-83A6-FFA84A8D2526}" type="slidenum">
+              <a:rPr lang="en-CA" smtClean="0"/>
+              <a:t>20</a:t>
+            </a:fld>
+            <a:endParaRPr lang="en-CA"/>
+          </a:p>
+        </p:txBody>
+      </p:sp>
+    </p:spTree>
+    <p:extLst>
+      <p:ext uri="{BB962C8B-B14F-4D97-AF65-F5344CB8AC3E}">
+        <p14:creationId xmlns:p14="http://schemas.microsoft.com/office/powerpoint/2010/main" val="4164843295"/>
+      </p:ext>
+    </p:extLst>
+  </p:cSld>
+  <p:clrMapOvr>
+    <a:masterClrMapping/>
+  </p:clrMapOvr>
+</p:notes>
+</file>
+
+<file path=ppt/notesSlides/notesSlide17.xml><?xml version="1.0" encoding="utf-8"?>
+<p:notes xmlns:a="http://schemas.openxmlformats.org/drawingml/2006/main" xmlns:r="http://schemas.openxmlformats.org/officeDocument/2006/relationships" xmlns:p="http://schemas.openxmlformats.org/presentationml/2006/main">
+  <p:cSld>
+    <p:spTree>
+      <p:nvGrpSpPr>
+        <p:cNvPr id="1" name=""/>
+        <p:cNvGrpSpPr/>
+        <p:nvPr/>
+      </p:nvGrpSpPr>
+      <p:grpSpPr>
+        <a:xfrm>
+          <a:off x="0" y="0"/>
+          <a:ext cx="0" cy="0"/>
+          <a:chOff x="0" y="0"/>
+          <a:chExt cx="0" cy="0"/>
+        </a:xfrm>
+      </p:grpSpPr>
+      <p:sp>
+        <p:nvSpPr>
+          <p:cNvPr id="2" name="Slide Image Placeholder 1"/>
+          <p:cNvSpPr>
+            <a:spLocks noGrp="1" noRot="1" noChangeAspect="1"/>
+          </p:cNvSpPr>
+          <p:nvPr>
+            <p:ph type="sldImg"/>
+          </p:nvPr>
+        </p:nvSpPr>
+        <p:spPr/>
+      </p:sp>
+      <p:sp>
+        <p:nvSpPr>
+          <p:cNvPr id="3" name="Notes Placeholder 2"/>
+          <p:cNvSpPr>
+            <a:spLocks noGrp="1"/>
+          </p:cNvSpPr>
+          <p:nvPr>
+            <p:ph type="body" idx="1"/>
+          </p:nvPr>
+        </p:nvSpPr>
+        <p:spPr/>
+        <p:txBody>
+          <a:bodyPr/>
+          <a:lstStyle/>
+          <a:p>
+            <a:endParaRPr lang="en-CA" dirty="0"/>
+          </a:p>
+        </p:txBody>
+      </p:sp>
+      <p:sp>
+        <p:nvSpPr>
+          <p:cNvPr id="4" name="Slide Number Placeholder 3"/>
+          <p:cNvSpPr>
+            <a:spLocks noGrp="1"/>
+          </p:cNvSpPr>
+          <p:nvPr>
+            <p:ph type="sldNum" sz="quarter" idx="5"/>
+          </p:nvPr>
+        </p:nvSpPr>
+        <p:spPr/>
+        <p:txBody>
+          <a:bodyPr/>
+          <a:lstStyle/>
+          <a:p>
+            <a:fld id="{4816D62B-C50E-417B-83A6-FFA84A8D2526}" type="slidenum">
+              <a:rPr lang="en-CA" smtClean="0"/>
+              <a:t>21</a:t>
+            </a:fld>
+            <a:endParaRPr lang="en-CA"/>
+          </a:p>
+        </p:txBody>
+      </p:sp>
+    </p:spTree>
+    <p:extLst>
+      <p:ext uri="{BB962C8B-B14F-4D97-AF65-F5344CB8AC3E}">
+        <p14:creationId xmlns:p14="http://schemas.microsoft.com/office/powerpoint/2010/main" val="696562175"/>
+      </p:ext>
+    </p:extLst>
+  </p:cSld>
+  <p:clrMapOvr>
+    <a:masterClrMapping/>
+  </p:clrMapOvr>
+</p:notes>
+</file>
+
+<file path=ppt/notesSlides/notesSlide18.xml><?xml version="1.0" encoding="utf-8"?>
+<p:notes xmlns:a="http://schemas.openxmlformats.org/drawingml/2006/main" xmlns:r="http://schemas.openxmlformats.org/officeDocument/2006/relationships" xmlns:p="http://schemas.openxmlformats.org/presentationml/2006/main">
+  <p:cSld>
+    <p:spTree>
+      <p:nvGrpSpPr>
+        <p:cNvPr id="1" name=""/>
+        <p:cNvGrpSpPr/>
+        <p:nvPr/>
+      </p:nvGrpSpPr>
+      <p:grpSpPr>
+        <a:xfrm>
+          <a:off x="0" y="0"/>
+          <a:ext cx="0" cy="0"/>
+          <a:chOff x="0" y="0"/>
+          <a:chExt cx="0" cy="0"/>
+        </a:xfrm>
+      </p:grpSpPr>
+      <p:sp>
+        <p:nvSpPr>
+          <p:cNvPr id="2" name="Slide Image Placeholder 1"/>
+          <p:cNvSpPr>
+            <a:spLocks noGrp="1" noRot="1" noChangeAspect="1"/>
+          </p:cNvSpPr>
+          <p:nvPr>
+            <p:ph type="sldImg"/>
+          </p:nvPr>
+        </p:nvSpPr>
+        <p:spPr/>
+      </p:sp>
+      <p:sp>
+        <p:nvSpPr>
+          <p:cNvPr id="3" name="Notes Placeholder 2"/>
+          <p:cNvSpPr>
+            <a:spLocks noGrp="1"/>
+          </p:cNvSpPr>
+          <p:nvPr>
+            <p:ph type="body" idx="1"/>
+          </p:nvPr>
+        </p:nvSpPr>
+        <p:spPr/>
+        <p:txBody>
+          <a:bodyPr/>
+          <a:lstStyle/>
+          <a:p>
+            <a:endParaRPr lang="en-CA" dirty="0"/>
+          </a:p>
+        </p:txBody>
+      </p:sp>
+      <p:sp>
+        <p:nvSpPr>
+          <p:cNvPr id="4" name="Slide Number Placeholder 3"/>
+          <p:cNvSpPr>
+            <a:spLocks noGrp="1"/>
+          </p:cNvSpPr>
+          <p:nvPr>
+            <p:ph type="sldNum" sz="quarter" idx="5"/>
+          </p:nvPr>
+        </p:nvSpPr>
+        <p:spPr/>
+        <p:txBody>
+          <a:bodyPr/>
+          <a:lstStyle/>
+          <a:p>
+            <a:fld id="{4816D62B-C50E-417B-83A6-FFA84A8D2526}" type="slidenum">
+              <a:rPr lang="en-CA" smtClean="0"/>
+              <a:t>22</a:t>
+            </a:fld>
+            <a:endParaRPr lang="en-CA"/>
+          </a:p>
+        </p:txBody>
+      </p:sp>
+    </p:spTree>
+    <p:extLst>
+      <p:ext uri="{BB962C8B-B14F-4D97-AF65-F5344CB8AC3E}">
+        <p14:creationId xmlns:p14="http://schemas.microsoft.com/office/powerpoint/2010/main" val="4143799666"/>
       </p:ext>
     </p:extLst>
   </p:cSld>
@@ -10612,7 +11780,7 @@
           <p:cNvPr id="2" name="Title 1">
             <a:extLst>
               <a:ext uri="{FF2B5EF4-FFF2-40B4-BE49-F238E27FC236}">
-                <a16:creationId xmlns:a16="http://schemas.microsoft.com/office/drawing/2014/main" id="{1F71019D-8C95-46C0-BC40-2A35A79C0DC2}"/>
+                <a16:creationId xmlns:a16="http://schemas.microsoft.com/office/drawing/2014/main" id="{2F3AD41F-7EF1-4683-B087-2658741AAC83}"/>
               </a:ext>
             </a:extLst>
           </p:cNvPr>
@@ -10623,47 +11791,247 @@
             <p:ph type="title"/>
           </p:nvPr>
         </p:nvSpPr>
-        <p:spPr/>
+        <p:spPr>
+          <a:xfrm>
+            <a:off x="820136" y="0"/>
+            <a:ext cx="11227701" cy="1905000"/>
+          </a:xfrm>
+        </p:spPr>
         <p:txBody>
           <a:bodyPr/>
           <a:lstStyle/>
           <a:p>
             <a:r>
               <a:rPr lang="en-CA" dirty="0"/>
-              <a:t>GLM stuff goes here</a:t>
-            </a:r>
-          </a:p>
-        </p:txBody>
-      </p:sp>
-      <p:sp>
-        <p:nvSpPr>
-          <p:cNvPr id="3" name="Content Placeholder 2">
+              <a:t>TO USE THE LOG-LINK, OR NOT TO USE THE LOG-LINK?</a:t>
+            </a:r>
+          </a:p>
+        </p:txBody>
+      </p:sp>
+      <p:pic>
+        <p:nvPicPr>
+          <p:cNvPr id="5" name="Picture 4" descr="Chart, scatter chart&#10;&#10;Description automatically generated">
             <a:extLst>
               <a:ext uri="{FF2B5EF4-FFF2-40B4-BE49-F238E27FC236}">
-                <a16:creationId xmlns:a16="http://schemas.microsoft.com/office/drawing/2014/main" id="{18789BD5-7E8D-4A18-AE55-96CED2A2E6FD}"/>
+                <a16:creationId xmlns:a16="http://schemas.microsoft.com/office/drawing/2014/main" id="{CC2C078F-860D-4590-A4C7-59313B60ECD4}"/>
               </a:ext>
             </a:extLst>
           </p:cNvPr>
-          <p:cNvSpPr>
-            <a:spLocks noGrp="1"/>
-          </p:cNvSpPr>
-          <p:nvPr>
-            <p:ph idx="1"/>
-          </p:nvPr>
-        </p:nvSpPr>
-        <p:spPr/>
-        <p:txBody>
-          <a:bodyPr/>
+          <p:cNvPicPr>
+            <a:picLocks noChangeAspect="1"/>
+          </p:cNvPicPr>
+          <p:nvPr/>
+        </p:nvPicPr>
+        <p:blipFill>
+          <a:blip r:embed="rId3"/>
+          <a:stretch>
+            <a:fillRect/>
+          </a:stretch>
+        </p:blipFill>
+        <p:spPr>
+          <a:xfrm>
+            <a:off x="6095999" y="1800419"/>
+            <a:ext cx="5790169" cy="4591691"/>
+          </a:xfrm>
+          <a:prstGeom prst="rect">
+            <a:avLst/>
+          </a:prstGeom>
+        </p:spPr>
+      </p:pic>
+      <p:sp>
+        <p:nvSpPr>
+          <p:cNvPr id="6" name="Rectangle 5">
+            <a:extLst>
+              <a:ext uri="{FF2B5EF4-FFF2-40B4-BE49-F238E27FC236}">
+                <a16:creationId xmlns:a16="http://schemas.microsoft.com/office/drawing/2014/main" id="{9F539EEB-04E9-418D-983C-E28FFA9BABD3}"/>
+              </a:ext>
+            </a:extLst>
+          </p:cNvPr>
+          <p:cNvSpPr/>
+          <p:nvPr/>
+        </p:nvSpPr>
+        <p:spPr>
+          <a:xfrm>
+            <a:off x="440724" y="1800419"/>
+            <a:ext cx="4810898" cy="4591691"/>
+          </a:xfrm>
+          <a:prstGeom prst="rect">
+            <a:avLst/>
+          </a:prstGeom>
+          <a:ln>
+            <a:solidFill>
+              <a:schemeClr val="tx1"/>
+            </a:solidFill>
+          </a:ln>
+        </p:spPr>
+        <p:style>
+          <a:lnRef idx="2">
+            <a:schemeClr val="dk1"/>
+          </a:lnRef>
+          <a:fillRef idx="1">
+            <a:schemeClr val="lt1"/>
+          </a:fillRef>
+          <a:effectRef idx="0">
+            <a:schemeClr val="dk1"/>
+          </a:effectRef>
+          <a:fontRef idx="minor">
+            <a:schemeClr val="dk1"/>
+          </a:fontRef>
+        </p:style>
+        <p:txBody>
+          <a:bodyPr rtlCol="0" anchor="ctr"/>
           <a:lstStyle/>
           <a:p>
-            <a:endParaRPr lang="en-CA"/>
+            <a:pPr algn="ctr"/>
+            <a:endParaRPr lang="en-CA" dirty="0"/>
+          </a:p>
+          <a:p>
+            <a:pPr algn="ctr"/>
+            <a:endParaRPr lang="en-CA" dirty="0"/>
+          </a:p>
+          <a:p>
+            <a:pPr algn="ctr"/>
+            <a:endParaRPr lang="en-CA" dirty="0"/>
+          </a:p>
+          <a:p>
+            <a:pPr algn="ctr"/>
+            <a:endParaRPr lang="en-CA" dirty="0"/>
+          </a:p>
+          <a:p>
+            <a:pPr algn="ctr"/>
+            <a:endParaRPr lang="en-CA" dirty="0"/>
+          </a:p>
+          <a:p>
+            <a:pPr algn="ctr"/>
+            <a:endParaRPr lang="en-CA" dirty="0"/>
+          </a:p>
+          <a:p>
+            <a:pPr algn="ctr"/>
+            <a:endParaRPr lang="en-CA" dirty="0"/>
+          </a:p>
+          <a:p>
+            <a:pPr algn="ctr"/>
+            <a:endParaRPr lang="en-CA" dirty="0"/>
+          </a:p>
+          <a:p>
+            <a:pPr algn="ctr"/>
+            <a:endParaRPr lang="en-CA" dirty="0"/>
+          </a:p>
+          <a:p>
+            <a:pPr algn="ctr"/>
+            <a:endParaRPr lang="en-CA" dirty="0"/>
+          </a:p>
+          <a:p>
+            <a:pPr algn="ctr"/>
+            <a:endParaRPr lang="en-CA" dirty="0"/>
+          </a:p>
+          <a:p>
+            <a:pPr algn="ctr"/>
+            <a:endParaRPr lang="en-CA" dirty="0"/>
+          </a:p>
+          <a:p>
+            <a:pPr algn="ctr"/>
+            <a:endParaRPr lang="en-CA" dirty="0"/>
+          </a:p>
+          <a:p>
+            <a:pPr algn="ctr"/>
+            <a:r>
+              <a:rPr lang="en-CA" dirty="0"/>
+              <a:t>Trait Mean</a:t>
+            </a:r>
+          </a:p>
+        </p:txBody>
+      </p:sp>
+      <p:pic>
+        <p:nvPicPr>
+          <p:cNvPr id="8" name="Picture 2" descr="Generalized linear model - Wikipedia">
+            <a:extLst>
+              <a:ext uri="{FF2B5EF4-FFF2-40B4-BE49-F238E27FC236}">
+                <a16:creationId xmlns:a16="http://schemas.microsoft.com/office/drawing/2014/main" id="{3AA9644A-CD45-4871-ABF9-7AC40284EE4F}"/>
+              </a:ext>
+            </a:extLst>
+          </p:cNvPr>
+          <p:cNvPicPr>
+            <a:picLocks noChangeAspect="1" noChangeArrowheads="1"/>
+          </p:cNvPicPr>
+          <p:nvPr/>
+        </p:nvPicPr>
+        <p:blipFill>
+          <a:blip r:embed="rId4">
+            <a:extLst>
+              <a:ext uri="{28A0092B-C50C-407E-A947-70E740481C1C}">
+                <a14:useLocalDpi xmlns:a14="http://schemas.microsoft.com/office/drawing/2010/main" val="0"/>
+              </a:ext>
+            </a:extLst>
+          </a:blip>
+          <a:srcRect/>
+          <a:stretch>
+            <a:fillRect/>
+          </a:stretch>
+        </p:blipFill>
+        <p:spPr bwMode="auto">
+          <a:xfrm>
+            <a:off x="755751" y="2770777"/>
+            <a:ext cx="4180843" cy="2755556"/>
+          </a:xfrm>
+          <a:prstGeom prst="rect">
+            <a:avLst/>
+          </a:prstGeom>
+          <a:noFill/>
+          <a:extLst>
+            <a:ext uri="{909E8E84-426E-40DD-AFC4-6F175D3DCCD1}">
+              <a14:hiddenFill xmlns:a14="http://schemas.microsoft.com/office/drawing/2010/main">
+                <a:solidFill>
+                  <a:srgbClr val="FFFFFF"/>
+                </a:solidFill>
+              </a14:hiddenFill>
+            </a:ext>
+          </a:extLst>
+        </p:spPr>
+      </p:pic>
+      <p:sp>
+        <p:nvSpPr>
+          <p:cNvPr id="7" name="TextBox 6">
+            <a:extLst>
+              <a:ext uri="{FF2B5EF4-FFF2-40B4-BE49-F238E27FC236}">
+                <a16:creationId xmlns:a16="http://schemas.microsoft.com/office/drawing/2014/main" id="{C092FCC2-52C8-474E-8D0B-E072C299B776}"/>
+              </a:ext>
+            </a:extLst>
+          </p:cNvPr>
+          <p:cNvSpPr txBox="1"/>
+          <p:nvPr/>
+        </p:nvSpPr>
+        <p:spPr>
+          <a:xfrm rot="16200000">
+            <a:off x="-31034" y="2787744"/>
+            <a:ext cx="2986811" cy="369332"/>
+          </a:xfrm>
+          <a:prstGeom prst="rect">
+            <a:avLst/>
+          </a:prstGeom>
+          <a:noFill/>
+        </p:spPr>
+        <p:txBody>
+          <a:bodyPr wrap="square" rtlCol="0">
+            <a:spAutoFit/>
+          </a:bodyPr>
+          <a:lstStyle/>
+          <a:p>
+            <a:r>
+              <a:rPr lang="en-CA" dirty="0">
+                <a:solidFill>
+                  <a:schemeClr val="bg1"/>
+                </a:solidFill>
+              </a:rPr>
+              <a:t>Standard Deviation</a:t>
+            </a:r>
           </a:p>
         </p:txBody>
       </p:sp>
     </p:spTree>
     <p:extLst>
       <p:ext uri="{BB962C8B-B14F-4D97-AF65-F5344CB8AC3E}">
-        <p14:creationId xmlns:p14="http://schemas.microsoft.com/office/powerpoint/2010/main" val="580020275"/>
+        <p14:creationId xmlns:p14="http://schemas.microsoft.com/office/powerpoint/2010/main" val="384309396"/>
       </p:ext>
     </p:extLst>
   </p:cSld>
@@ -10695,7 +12063,7 @@
           <p:cNvPr id="2" name="Title 1">
             <a:extLst>
               <a:ext uri="{FF2B5EF4-FFF2-40B4-BE49-F238E27FC236}">
-                <a16:creationId xmlns:a16="http://schemas.microsoft.com/office/drawing/2014/main" id="{DB37E812-CA1E-4E55-9103-BA9077843209}"/>
+                <a16:creationId xmlns:a16="http://schemas.microsoft.com/office/drawing/2014/main" id="{2001B5B5-A3B7-4A9B-99D6-4BB51654BEEF}"/>
               </a:ext>
             </a:extLst>
           </p:cNvPr>
@@ -10706,51 +12074,29 @@
             <p:ph type="title"/>
           </p:nvPr>
         </p:nvSpPr>
-        <p:spPr/>
-        <p:txBody>
-          <a:bodyPr/>
+        <p:spPr>
+          <a:xfrm>
+            <a:off x="679857" y="1375719"/>
+            <a:ext cx="10832285" cy="3739978"/>
+          </a:xfrm>
+        </p:spPr>
+        <p:txBody>
+          <a:bodyPr>
+            <a:normAutofit/>
+          </a:bodyPr>
           <a:lstStyle/>
           <a:p>
             <a:r>
-              <a:rPr lang="en-CA" dirty="0" err="1"/>
-              <a:t>Dhglmm</a:t>
-            </a:r>
-            <a:r>
-              <a:rPr lang="en-CA" dirty="0"/>
-              <a:t> goes here</a:t>
-            </a:r>
-          </a:p>
-        </p:txBody>
-      </p:sp>
-      <p:sp>
-        <p:nvSpPr>
-          <p:cNvPr id="3" name="Content Placeholder 2">
-            <a:extLst>
-              <a:ext uri="{FF2B5EF4-FFF2-40B4-BE49-F238E27FC236}">
-                <a16:creationId xmlns:a16="http://schemas.microsoft.com/office/drawing/2014/main" id="{D94C00A5-DAF4-496A-88F9-C3CD5682FC55}"/>
-              </a:ext>
-            </a:extLst>
-          </p:cNvPr>
-          <p:cNvSpPr>
-            <a:spLocks noGrp="1"/>
-          </p:cNvSpPr>
-          <p:nvPr>
-            <p:ph idx="1"/>
-          </p:nvPr>
-        </p:nvSpPr>
-        <p:spPr/>
-        <p:txBody>
-          <a:bodyPr/>
-          <a:lstStyle/>
-          <a:p>
-            <a:endParaRPr lang="en-CA"/>
+              <a:rPr lang="en-CA" sz="4000" b="1" dirty="0"/>
+              <a:t>PREPARING THE DATA FOR MODELLING </a:t>
+            </a:r>
           </a:p>
         </p:txBody>
       </p:sp>
     </p:spTree>
     <p:extLst>
       <p:ext uri="{BB962C8B-B14F-4D97-AF65-F5344CB8AC3E}">
-        <p14:creationId xmlns:p14="http://schemas.microsoft.com/office/powerpoint/2010/main" val="883621036"/>
+        <p14:creationId xmlns:p14="http://schemas.microsoft.com/office/powerpoint/2010/main" val="3136576976"/>
       </p:ext>
     </p:extLst>
   </p:cSld>
@@ -10782,6 +12128,99 @@
           <p:cNvPr id="2" name="Title 1">
             <a:extLst>
               <a:ext uri="{FF2B5EF4-FFF2-40B4-BE49-F238E27FC236}">
+                <a16:creationId xmlns:a16="http://schemas.microsoft.com/office/drawing/2014/main" id="{1F71019D-8C95-46C0-BC40-2A35A79C0DC2}"/>
+              </a:ext>
+            </a:extLst>
+          </p:cNvPr>
+          <p:cNvSpPr>
+            <a:spLocks noGrp="1"/>
+          </p:cNvSpPr>
+          <p:nvPr>
+            <p:ph type="title"/>
+          </p:nvPr>
+        </p:nvSpPr>
+        <p:spPr>
+          <a:xfrm>
+            <a:off x="1141412" y="429141"/>
+            <a:ext cx="9905998" cy="1145059"/>
+          </a:xfrm>
+        </p:spPr>
+        <p:txBody>
+          <a:bodyPr/>
+          <a:lstStyle/>
+          <a:p>
+            <a:r>
+              <a:rPr lang="en-CA" dirty="0"/>
+              <a:t>Setting the intercept</a:t>
+            </a:r>
+          </a:p>
+        </p:txBody>
+      </p:sp>
+      <p:pic>
+        <p:nvPicPr>
+          <p:cNvPr id="5" name="Picture 4">
+            <a:extLst>
+              <a:ext uri="{FF2B5EF4-FFF2-40B4-BE49-F238E27FC236}">
+                <a16:creationId xmlns:a16="http://schemas.microsoft.com/office/drawing/2014/main" id="{5CFA6909-4982-4410-8DFD-74303A0C96E2}"/>
+              </a:ext>
+            </a:extLst>
+          </p:cNvPr>
+          <p:cNvPicPr>
+            <a:picLocks noChangeAspect="1"/>
+          </p:cNvPicPr>
+          <p:nvPr/>
+        </p:nvPicPr>
+        <p:blipFill>
+          <a:blip r:embed="rId3"/>
+          <a:stretch>
+            <a:fillRect/>
+          </a:stretch>
+        </p:blipFill>
+        <p:spPr>
+          <a:xfrm>
+            <a:off x="658761" y="2014151"/>
+            <a:ext cx="10871299" cy="4414708"/>
+          </a:xfrm>
+          <a:prstGeom prst="rect">
+            <a:avLst/>
+          </a:prstGeom>
+        </p:spPr>
+      </p:pic>
+    </p:spTree>
+    <p:extLst>
+      <p:ext uri="{BB962C8B-B14F-4D97-AF65-F5344CB8AC3E}">
+        <p14:creationId xmlns:p14="http://schemas.microsoft.com/office/powerpoint/2010/main" val="580020275"/>
+      </p:ext>
+    </p:extLst>
+  </p:cSld>
+  <p:clrMapOvr>
+    <a:masterClrMapping/>
+  </p:clrMapOvr>
+</p:sld>
+</file>
+
+<file path=ppt/slides/slide18.xml><?xml version="1.0" encoding="utf-8"?>
+<p:sld xmlns:a="http://schemas.openxmlformats.org/drawingml/2006/main" xmlns:r="http://schemas.openxmlformats.org/officeDocument/2006/relationships" xmlns:p="http://schemas.openxmlformats.org/presentationml/2006/main">
+  <p:cSld>
+    <p:spTree>
+      <p:nvGrpSpPr>
+        <p:cNvPr id="1" name=""/>
+        <p:cNvGrpSpPr/>
+        <p:nvPr/>
+      </p:nvGrpSpPr>
+      <p:grpSpPr>
+        <a:xfrm>
+          <a:off x="0" y="0"/>
+          <a:ext cx="0" cy="0"/>
+          <a:chOff x="0" y="0"/>
+          <a:chExt cx="0" cy="0"/>
+        </a:xfrm>
+      </p:grpSpPr>
+      <p:sp>
+        <p:nvSpPr>
+          <p:cNvPr id="2" name="Title 1">
+            <a:extLst>
+              <a:ext uri="{FF2B5EF4-FFF2-40B4-BE49-F238E27FC236}">
                 <a16:creationId xmlns:a16="http://schemas.microsoft.com/office/drawing/2014/main" id="{CF00F8D5-ACAF-4CB7-9235-941E6443A509}"/>
               </a:ext>
             </a:extLst>
@@ -10793,47 +12232,173 @@
             <p:ph type="title"/>
           </p:nvPr>
         </p:nvSpPr>
-        <p:spPr/>
+        <p:spPr>
+          <a:xfrm>
+            <a:off x="1610970" y="436606"/>
+            <a:ext cx="9905998" cy="1905000"/>
+          </a:xfrm>
+        </p:spPr>
         <p:txBody>
           <a:bodyPr/>
           <a:lstStyle/>
           <a:p>
             <a:r>
               <a:rPr lang="en-CA" dirty="0"/>
-              <a:t>Future directions goes here</a:t>
-            </a:r>
-          </a:p>
-        </p:txBody>
-      </p:sp>
-      <p:sp>
-        <p:nvSpPr>
-          <p:cNvPr id="3" name="Content Placeholder 2">
+              <a:t>Calculating The </a:t>
+            </a:r>
+            <a:r>
+              <a:rPr lang="en-CA" dirty="0" err="1"/>
+              <a:t>Levene</a:t>
+            </a:r>
+            <a:r>
+              <a:rPr lang="en-CA" dirty="0"/>
+              <a:t> statistic </a:t>
+            </a:r>
+          </a:p>
+        </p:txBody>
+      </p:sp>
+      <p:pic>
+        <p:nvPicPr>
+          <p:cNvPr id="5" name="Picture 4">
             <a:extLst>
               <a:ext uri="{FF2B5EF4-FFF2-40B4-BE49-F238E27FC236}">
-                <a16:creationId xmlns:a16="http://schemas.microsoft.com/office/drawing/2014/main" id="{11DCDC71-8DBC-4D3E-B164-852F8221549C}"/>
+                <a16:creationId xmlns:a16="http://schemas.microsoft.com/office/drawing/2014/main" id="{85BCE1C4-D7CC-4773-A150-1033E8BF721B}"/>
               </a:ext>
             </a:extLst>
           </p:cNvPr>
-          <p:cNvSpPr>
-            <a:spLocks noGrp="1"/>
-          </p:cNvSpPr>
-          <p:nvPr>
-            <p:ph idx="1"/>
-          </p:nvPr>
-        </p:nvSpPr>
-        <p:spPr/>
-        <p:txBody>
-          <a:bodyPr/>
-          <a:lstStyle/>
-          <a:p>
-            <a:endParaRPr lang="en-CA"/>
-          </a:p>
-        </p:txBody>
-      </p:sp>
+          <p:cNvPicPr>
+            <a:picLocks noChangeAspect="1"/>
+          </p:cNvPicPr>
+          <p:nvPr/>
+        </p:nvPicPr>
+        <p:blipFill rotWithShape="1">
+          <a:blip r:embed="rId2"/>
+          <a:srcRect b="6119"/>
+          <a:stretch/>
+        </p:blipFill>
+        <p:spPr>
+          <a:xfrm>
+            <a:off x="1349259" y="3046531"/>
+            <a:ext cx="8927102" cy="2180377"/>
+          </a:xfrm>
+          <a:prstGeom prst="rect">
+            <a:avLst/>
+          </a:prstGeom>
+        </p:spPr>
+      </p:pic>
     </p:spTree>
     <p:extLst>
       <p:ext uri="{BB962C8B-B14F-4D97-AF65-F5344CB8AC3E}">
         <p14:creationId xmlns:p14="http://schemas.microsoft.com/office/powerpoint/2010/main" val="1662383433"/>
+      </p:ext>
+    </p:extLst>
+  </p:cSld>
+  <p:clrMapOvr>
+    <a:masterClrMapping/>
+  </p:clrMapOvr>
+</p:sld>
+</file>
+
+<file path=ppt/slides/slide19.xml><?xml version="1.0" encoding="utf-8"?>
+<p:sld xmlns:a="http://schemas.openxmlformats.org/drawingml/2006/main" xmlns:r="http://schemas.openxmlformats.org/officeDocument/2006/relationships" xmlns:p="http://schemas.openxmlformats.org/presentationml/2006/main">
+  <p:cSld>
+    <p:spTree>
+      <p:nvGrpSpPr>
+        <p:cNvPr id="1" name=""/>
+        <p:cNvGrpSpPr/>
+        <p:nvPr/>
+      </p:nvGrpSpPr>
+      <p:grpSpPr>
+        <a:xfrm>
+          <a:off x="0" y="0"/>
+          <a:ext cx="0" cy="0"/>
+          <a:chOff x="0" y="0"/>
+          <a:chExt cx="0" cy="0"/>
+        </a:xfrm>
+      </p:grpSpPr>
+      <p:sp>
+        <p:nvSpPr>
+          <p:cNvPr id="2" name="Title 1">
+            <a:extLst>
+              <a:ext uri="{FF2B5EF4-FFF2-40B4-BE49-F238E27FC236}">
+                <a16:creationId xmlns:a16="http://schemas.microsoft.com/office/drawing/2014/main" id="{DB37E812-CA1E-4E55-9103-BA9077843209}"/>
+              </a:ext>
+            </a:extLst>
+          </p:cNvPr>
+          <p:cNvSpPr>
+            <a:spLocks noGrp="1"/>
+          </p:cNvSpPr>
+          <p:nvPr>
+            <p:ph type="title"/>
+          </p:nvPr>
+        </p:nvSpPr>
+        <p:spPr/>
+        <p:txBody>
+          <a:bodyPr/>
+          <a:lstStyle/>
+          <a:p>
+            <a:r>
+              <a:rPr lang="en-CA" dirty="0" err="1"/>
+              <a:t>Glm</a:t>
+            </a:r>
+            <a:r>
+              <a:rPr lang="en-CA" dirty="0"/>
+              <a:t>: singularity issue</a:t>
+            </a:r>
+          </a:p>
+        </p:txBody>
+      </p:sp>
+      <p:pic>
+        <p:nvPicPr>
+          <p:cNvPr id="2050" name="Picture 2" descr="Cholesky decomposition - Wikipedia">
+            <a:extLst>
+              <a:ext uri="{FF2B5EF4-FFF2-40B4-BE49-F238E27FC236}">
+                <a16:creationId xmlns:a16="http://schemas.microsoft.com/office/drawing/2014/main" id="{4358EAB1-3402-41D3-BEC6-7AA0CD13B0CA}"/>
+              </a:ext>
+            </a:extLst>
+          </p:cNvPr>
+          <p:cNvPicPr>
+            <a:picLocks noChangeAspect="1" noChangeArrowheads="1"/>
+          </p:cNvPicPr>
+          <p:nvPr/>
+        </p:nvPicPr>
+        <p:blipFill>
+          <a:blip r:embed="rId3">
+            <a:extLst>
+              <a:ext uri="{28A0092B-C50C-407E-A947-70E740481C1C}">
+                <a14:useLocalDpi xmlns:a14="http://schemas.microsoft.com/office/drawing/2010/main" val="0"/>
+              </a:ext>
+            </a:extLst>
+          </a:blip>
+          <a:srcRect/>
+          <a:stretch>
+            <a:fillRect/>
+          </a:stretch>
+        </p:blipFill>
+        <p:spPr bwMode="auto">
+          <a:xfrm>
+            <a:off x="1414676" y="2495866"/>
+            <a:ext cx="9359471" cy="3665510"/>
+          </a:xfrm>
+          <a:prstGeom prst="rect">
+            <a:avLst/>
+          </a:prstGeom>
+          <a:noFill/>
+          <a:extLst>
+            <a:ext uri="{909E8E84-426E-40DD-AFC4-6F175D3DCCD1}">
+              <a14:hiddenFill xmlns:a14="http://schemas.microsoft.com/office/drawing/2010/main">
+                <a:solidFill>
+                  <a:srgbClr val="FFFFFF"/>
+                </a:solidFill>
+              </a14:hiddenFill>
+            </a:ext>
+          </a:extLst>
+        </p:spPr>
+      </p:pic>
+    </p:spTree>
+    <p:extLst>
+      <p:ext uri="{BB962C8B-B14F-4D97-AF65-F5344CB8AC3E}">
+        <p14:creationId xmlns:p14="http://schemas.microsoft.com/office/powerpoint/2010/main" val="883621036"/>
       </p:ext>
     </p:extLst>
   </p:cSld>
@@ -10876,7 +12441,12 @@
             <p:ph type="title"/>
           </p:nvPr>
         </p:nvSpPr>
-        <p:spPr/>
+        <p:spPr>
+          <a:xfrm>
+            <a:off x="1141412" y="88491"/>
+            <a:ext cx="9905998" cy="1905000"/>
+          </a:xfrm>
+        </p:spPr>
         <p:txBody>
           <a:bodyPr/>
           <a:lstStyle/>
@@ -10904,7 +12474,12 @@
             <p:ph idx="1"/>
           </p:nvPr>
         </p:nvSpPr>
-        <p:spPr/>
+        <p:spPr>
+          <a:xfrm>
+            <a:off x="1141412" y="2666999"/>
+            <a:ext cx="10912935" cy="4191001"/>
+          </a:xfrm>
+        </p:spPr>
         <p:txBody>
           <a:bodyPr>
             <a:normAutofit fontScale="92500" lnSpcReduction="20000"/>
@@ -10925,7 +12500,7 @@
           <a:p>
             <a:r>
               <a:rPr lang="en-CA" dirty="0" err="1"/>
-              <a:t>Lenenes</a:t>
+              <a:t>Levene’s</a:t>
             </a:r>
             <a:r>
               <a:rPr lang="en-CA" dirty="0"/>
@@ -10953,14 +12528,62 @@
           <a:p>
             <a:r>
               <a:rPr lang="en-CA" dirty="0"/>
-              <a:t>Linear models</a:t>
-            </a:r>
-          </a:p>
-          <a:p>
+              <a:t> are Log transformations appropriate here?</a:t>
+            </a:r>
+          </a:p>
+          <a:p>
+            <a:r>
+              <a:rPr lang="en-CA" dirty="0"/>
+              <a:t>MODELING + CORRELATION PLOTS</a:t>
+            </a:r>
+          </a:p>
+          <a:p>
+            <a:pPr marL="0" indent="0">
+              <a:buNone/>
+            </a:pPr>
+            <a:r>
+              <a:rPr lang="en-CA" dirty="0"/>
+              <a:t>     -RANK-REDUCED MODEL</a:t>
+            </a:r>
+          </a:p>
+          <a:p>
+            <a:pPr marL="0" indent="0">
+              <a:buNone/>
+            </a:pPr>
+            <a:r>
+              <a:rPr lang="en-CA" dirty="0"/>
+              <a:t>     -Markov chain monte </a:t>
+            </a:r>
             <a:r>
               <a:rPr lang="en-CA" dirty="0" err="1"/>
-              <a:t>dhglmm</a:t>
-            </a:r>
+              <a:t>carlo</a:t>
+            </a:r>
+            <a:r>
+              <a:rPr lang="en-CA" dirty="0"/>
+              <a:t> generalized linear mixed model (</a:t>
+            </a:r>
+            <a:r>
+              <a:rPr lang="en-CA" dirty="0" err="1"/>
+              <a:t>mcmcglmm</a:t>
+            </a:r>
+            <a:r>
+              <a:rPr lang="en-CA" dirty="0"/>
+              <a:t>)</a:t>
+            </a:r>
+          </a:p>
+          <a:p>
+            <a:r>
+              <a:rPr lang="en-CA" dirty="0"/>
+              <a:t>Next steps</a:t>
+            </a:r>
+          </a:p>
+          <a:p>
+            <a:pPr marL="0" indent="0">
+              <a:buNone/>
+            </a:pPr>
+            <a:endParaRPr lang="en-CA" dirty="0"/>
+          </a:p>
+          <a:p>
             <a:endParaRPr lang="en-CA" dirty="0"/>
           </a:p>
           <a:p>
@@ -10975,6 +12598,417 @@
     <p:extLst>
       <p:ext uri="{BB962C8B-B14F-4D97-AF65-F5344CB8AC3E}">
         <p14:creationId xmlns:p14="http://schemas.microsoft.com/office/powerpoint/2010/main" val="2280676653"/>
+      </p:ext>
+    </p:extLst>
+  </p:cSld>
+  <p:clrMapOvr>
+    <a:masterClrMapping/>
+  </p:clrMapOvr>
+</p:sld>
+</file>
+
+<file path=ppt/slides/slide20.xml><?xml version="1.0" encoding="utf-8"?>
+<p:sld xmlns:a="http://schemas.openxmlformats.org/drawingml/2006/main" xmlns:r="http://schemas.openxmlformats.org/officeDocument/2006/relationships" xmlns:p="http://schemas.openxmlformats.org/presentationml/2006/main">
+  <p:cSld>
+    <p:spTree>
+      <p:nvGrpSpPr>
+        <p:cNvPr id="1" name=""/>
+        <p:cNvGrpSpPr/>
+        <p:nvPr/>
+      </p:nvGrpSpPr>
+      <p:grpSpPr>
+        <a:xfrm>
+          <a:off x="0" y="0"/>
+          <a:ext cx="0" cy="0"/>
+          <a:chOff x="0" y="0"/>
+          <a:chExt cx="0" cy="0"/>
+        </a:xfrm>
+      </p:grpSpPr>
+      <p:pic>
+        <p:nvPicPr>
+          <p:cNvPr id="9" name="Picture 8">
+            <a:extLst>
+              <a:ext uri="{FF2B5EF4-FFF2-40B4-BE49-F238E27FC236}">
+                <a16:creationId xmlns:a16="http://schemas.microsoft.com/office/drawing/2014/main" id="{FD8A18B9-D712-4D54-BFC3-5D520A140328}"/>
+              </a:ext>
+            </a:extLst>
+          </p:cNvPr>
+          <p:cNvPicPr>
+            <a:picLocks noChangeAspect="1"/>
+          </p:cNvPicPr>
+          <p:nvPr/>
+        </p:nvPicPr>
+        <p:blipFill rotWithShape="1">
+          <a:blip r:embed="rId3"/>
+          <a:srcRect l="8046" t="12082"/>
+          <a:stretch/>
+        </p:blipFill>
+        <p:spPr>
+          <a:xfrm>
+            <a:off x="1157768" y="2137009"/>
+            <a:ext cx="10061911" cy="1656515"/>
+          </a:xfrm>
+          <a:prstGeom prst="rect">
+            <a:avLst/>
+          </a:prstGeom>
+        </p:spPr>
+      </p:pic>
+      <p:pic>
+        <p:nvPicPr>
+          <p:cNvPr id="11" name="Picture 10">
+            <a:extLst>
+              <a:ext uri="{FF2B5EF4-FFF2-40B4-BE49-F238E27FC236}">
+                <a16:creationId xmlns:a16="http://schemas.microsoft.com/office/drawing/2014/main" id="{B70C5BC5-4E0D-4429-89E2-0DA76B87DE6C}"/>
+              </a:ext>
+            </a:extLst>
+          </p:cNvPr>
+          <p:cNvPicPr>
+            <a:picLocks noChangeAspect="1"/>
+          </p:cNvPicPr>
+          <p:nvPr/>
+        </p:nvPicPr>
+        <p:blipFill rotWithShape="1">
+          <a:blip r:embed="rId4"/>
+          <a:srcRect l="7919"/>
+          <a:stretch/>
+        </p:blipFill>
+        <p:spPr>
+          <a:xfrm>
+            <a:off x="1157769" y="4597424"/>
+            <a:ext cx="10101735" cy="1370890"/>
+          </a:xfrm>
+          <a:prstGeom prst="rect">
+            <a:avLst/>
+          </a:prstGeom>
+        </p:spPr>
+      </p:pic>
+      <p:sp>
+        <p:nvSpPr>
+          <p:cNvPr id="12" name="Title 1">
+            <a:extLst>
+              <a:ext uri="{FF2B5EF4-FFF2-40B4-BE49-F238E27FC236}">
+                <a16:creationId xmlns:a16="http://schemas.microsoft.com/office/drawing/2014/main" id="{382A1458-B74E-46D3-A63E-266C81C037F6}"/>
+              </a:ext>
+            </a:extLst>
+          </p:cNvPr>
+          <p:cNvSpPr txBox="1">
+            <a:spLocks/>
+          </p:cNvSpPr>
+          <p:nvPr/>
+        </p:nvSpPr>
+        <p:spPr>
+          <a:xfrm>
+            <a:off x="1005489" y="-34217"/>
+            <a:ext cx="9905998" cy="1905000"/>
+          </a:xfrm>
+          <a:prstGeom prst="rect">
+            <a:avLst/>
+          </a:prstGeom>
+        </p:spPr>
+        <p:txBody>
+          <a:bodyPr vert="horz" lIns="91440" tIns="45720" rIns="91440" bIns="45720" rtlCol="0" anchor="b">
+            <a:normAutofit/>
+          </a:bodyPr>
+          <a:lstStyle>
+            <a:lvl1pPr algn="ctr" defTabSz="457200" rtl="0" eaLnBrk="1" latinLnBrk="0" hangingPunct="1">
+              <a:spcBef>
+                <a:spcPct val="0"/>
+              </a:spcBef>
+              <a:buNone/>
+              <a:defRPr sz="4800" kern="1200" cap="all">
+                <a:ln w="3175" cmpd="sng">
+                  <a:noFill/>
+                </a:ln>
+                <a:gradFill flip="none" rotWithShape="1">
+                  <a:gsLst>
+                    <a:gs pos="0">
+                      <a:schemeClr val="tx1"/>
+                    </a:gs>
+                    <a:gs pos="100000">
+                      <a:schemeClr val="tx1">
+                        <a:lumMod val="65000"/>
+                      </a:schemeClr>
+                    </a:gs>
+                  </a:gsLst>
+                  <a:lin ang="5580000" scaled="0"/>
+                  <a:tileRect/>
+                </a:gradFill>
+                <a:effectLst>
+                  <a:glow rad="38100">
+                    <a:schemeClr val="bg1">
+                      <a:lumMod val="65000"/>
+                      <a:lumOff val="35000"/>
+                      <a:alpha val="50000"/>
+                    </a:schemeClr>
+                  </a:glow>
+                  <a:outerShdw blurRad="28575" dist="31750" dir="13200000" algn="tl" rotWithShape="0">
+                    <a:srgbClr val="000000">
+                      <a:alpha val="25000"/>
+                    </a:srgbClr>
+                  </a:outerShdw>
+                </a:effectLst>
+                <a:latin typeface="+mj-lt"/>
+                <a:ea typeface="+mj-ea"/>
+                <a:cs typeface="+mj-cs"/>
+              </a:defRPr>
+            </a:lvl1pPr>
+            <a:lvl2pPr eaLnBrk="1" hangingPunct="1">
+              <a:defRPr>
+                <a:solidFill>
+                  <a:schemeClr val="tx2"/>
+                </a:solidFill>
+              </a:defRPr>
+            </a:lvl2pPr>
+            <a:lvl3pPr eaLnBrk="1" hangingPunct="1">
+              <a:defRPr>
+                <a:solidFill>
+                  <a:schemeClr val="tx2"/>
+                </a:solidFill>
+              </a:defRPr>
+            </a:lvl3pPr>
+            <a:lvl4pPr eaLnBrk="1" hangingPunct="1">
+              <a:defRPr>
+                <a:solidFill>
+                  <a:schemeClr val="tx2"/>
+                </a:solidFill>
+              </a:defRPr>
+            </a:lvl4pPr>
+            <a:lvl5pPr eaLnBrk="1" hangingPunct="1">
+              <a:defRPr>
+                <a:solidFill>
+                  <a:schemeClr val="tx2"/>
+                </a:solidFill>
+              </a:defRPr>
+            </a:lvl5pPr>
+            <a:lvl6pPr eaLnBrk="1" hangingPunct="1">
+              <a:defRPr>
+                <a:solidFill>
+                  <a:schemeClr val="tx2"/>
+                </a:solidFill>
+              </a:defRPr>
+            </a:lvl6pPr>
+            <a:lvl7pPr eaLnBrk="1" hangingPunct="1">
+              <a:defRPr>
+                <a:solidFill>
+                  <a:schemeClr val="tx2"/>
+                </a:solidFill>
+              </a:defRPr>
+            </a:lvl7pPr>
+            <a:lvl8pPr eaLnBrk="1" hangingPunct="1">
+              <a:defRPr>
+                <a:solidFill>
+                  <a:schemeClr val="tx2"/>
+                </a:solidFill>
+              </a:defRPr>
+            </a:lvl8pPr>
+            <a:lvl9pPr eaLnBrk="1" hangingPunct="1">
+              <a:defRPr>
+                <a:solidFill>
+                  <a:schemeClr val="tx2"/>
+                </a:solidFill>
+              </a:defRPr>
+            </a:lvl9pPr>
+          </a:lstStyle>
+          <a:p>
+            <a:r>
+              <a:rPr lang="en-CA" dirty="0"/>
+              <a:t>MODELS THAT SUFFER FROM SINGULAR FIT </a:t>
+            </a:r>
+          </a:p>
+        </p:txBody>
+      </p:sp>
+    </p:spTree>
+    <p:extLst>
+      <p:ext uri="{BB962C8B-B14F-4D97-AF65-F5344CB8AC3E}">
+        <p14:creationId xmlns:p14="http://schemas.microsoft.com/office/powerpoint/2010/main" val="2144975852"/>
+      </p:ext>
+    </p:extLst>
+  </p:cSld>
+  <p:clrMapOvr>
+    <a:masterClrMapping/>
+  </p:clrMapOvr>
+</p:sld>
+</file>
+
+<file path=ppt/slides/slide21.xml><?xml version="1.0" encoding="utf-8"?>
+<p:sld xmlns:a="http://schemas.openxmlformats.org/drawingml/2006/main" xmlns:r="http://schemas.openxmlformats.org/officeDocument/2006/relationships" xmlns:p="http://schemas.openxmlformats.org/presentationml/2006/main">
+  <p:cSld>
+    <p:spTree>
+      <p:nvGrpSpPr>
+        <p:cNvPr id="1" name=""/>
+        <p:cNvGrpSpPr/>
+        <p:nvPr/>
+      </p:nvGrpSpPr>
+      <p:grpSpPr>
+        <a:xfrm>
+          <a:off x="0" y="0"/>
+          <a:ext cx="0" cy="0"/>
+          <a:chOff x="0" y="0"/>
+          <a:chExt cx="0" cy="0"/>
+        </a:xfrm>
+      </p:grpSpPr>
+      <p:sp>
+        <p:nvSpPr>
+          <p:cNvPr id="2" name="Title 1">
+            <a:extLst>
+              <a:ext uri="{FF2B5EF4-FFF2-40B4-BE49-F238E27FC236}">
+                <a16:creationId xmlns:a16="http://schemas.microsoft.com/office/drawing/2014/main" id="{5D29FB0E-1B43-4ABD-96D9-18EDD1709CB8}"/>
+              </a:ext>
+            </a:extLst>
+          </p:cNvPr>
+          <p:cNvSpPr>
+            <a:spLocks noGrp="1"/>
+          </p:cNvSpPr>
+          <p:nvPr>
+            <p:ph type="title"/>
+          </p:nvPr>
+        </p:nvSpPr>
+        <p:spPr>
+          <a:xfrm>
+            <a:off x="2286002" y="-106259"/>
+            <a:ext cx="9905998" cy="1905000"/>
+          </a:xfrm>
+        </p:spPr>
+        <p:txBody>
+          <a:bodyPr/>
+          <a:lstStyle/>
+          <a:p>
+            <a:r>
+              <a:rPr lang="en-CA" dirty="0"/>
+              <a:t>Eureka!: rank-reduced model</a:t>
+            </a:r>
+          </a:p>
+        </p:txBody>
+      </p:sp>
+      <p:pic>
+        <p:nvPicPr>
+          <p:cNvPr id="5" name="Picture 4">
+            <a:extLst>
+              <a:ext uri="{FF2B5EF4-FFF2-40B4-BE49-F238E27FC236}">
+                <a16:creationId xmlns:a16="http://schemas.microsoft.com/office/drawing/2014/main" id="{BCA2726E-8D2C-4AE3-A79F-5B33983F2467}"/>
+              </a:ext>
+            </a:extLst>
+          </p:cNvPr>
+          <p:cNvPicPr>
+            <a:picLocks noChangeAspect="1"/>
+          </p:cNvPicPr>
+          <p:nvPr/>
+        </p:nvPicPr>
+        <p:blipFill rotWithShape="1">
+          <a:blip r:embed="rId3"/>
+          <a:srcRect b="2673"/>
+          <a:stretch/>
+        </p:blipFill>
+        <p:spPr>
+          <a:xfrm>
+            <a:off x="744891" y="1687530"/>
+            <a:ext cx="10702218" cy="1574653"/>
+          </a:xfrm>
+          <a:prstGeom prst="rect">
+            <a:avLst/>
+          </a:prstGeom>
+        </p:spPr>
+      </p:pic>
+    </p:spTree>
+    <p:extLst>
+      <p:ext uri="{BB962C8B-B14F-4D97-AF65-F5344CB8AC3E}">
+        <p14:creationId xmlns:p14="http://schemas.microsoft.com/office/powerpoint/2010/main" val="1864658207"/>
+      </p:ext>
+    </p:extLst>
+  </p:cSld>
+  <p:clrMapOvr>
+    <a:masterClrMapping/>
+  </p:clrMapOvr>
+</p:sld>
+</file>
+
+<file path=ppt/slides/slide22.xml><?xml version="1.0" encoding="utf-8"?>
+<p:sld xmlns:a="http://schemas.openxmlformats.org/drawingml/2006/main" xmlns:r="http://schemas.openxmlformats.org/officeDocument/2006/relationships" xmlns:p="http://schemas.openxmlformats.org/presentationml/2006/main">
+  <p:cSld>
+    <p:spTree>
+      <p:nvGrpSpPr>
+        <p:cNvPr id="1" name=""/>
+        <p:cNvGrpSpPr/>
+        <p:nvPr/>
+      </p:nvGrpSpPr>
+      <p:grpSpPr>
+        <a:xfrm>
+          <a:off x="0" y="0"/>
+          <a:ext cx="0" cy="0"/>
+          <a:chOff x="0" y="0"/>
+          <a:chExt cx="0" cy="0"/>
+        </a:xfrm>
+      </p:grpSpPr>
+      <p:sp>
+        <p:nvSpPr>
+          <p:cNvPr id="2" name="Title 1">
+            <a:extLst>
+              <a:ext uri="{FF2B5EF4-FFF2-40B4-BE49-F238E27FC236}">
+                <a16:creationId xmlns:a16="http://schemas.microsoft.com/office/drawing/2014/main" id="{EA08CB68-1BA4-410E-840D-C7BEAD13A12B}"/>
+              </a:ext>
+            </a:extLst>
+          </p:cNvPr>
+          <p:cNvSpPr>
+            <a:spLocks noGrp="1"/>
+          </p:cNvSpPr>
+          <p:nvPr>
+            <p:ph type="title"/>
+          </p:nvPr>
+        </p:nvSpPr>
+        <p:spPr>
+          <a:xfrm>
+            <a:off x="1143001" y="-324464"/>
+            <a:ext cx="9905998" cy="1905000"/>
+          </a:xfrm>
+        </p:spPr>
+        <p:txBody>
+          <a:bodyPr/>
+          <a:lstStyle/>
+          <a:p>
+            <a:r>
+              <a:rPr lang="en-CA" dirty="0"/>
+              <a:t>Shortcomings of the </a:t>
+            </a:r>
+            <a:r>
+              <a:rPr lang="en-CA" dirty="0" err="1"/>
+              <a:t>glmm</a:t>
+            </a:r>
+            <a:endParaRPr lang="en-CA" dirty="0"/>
+          </a:p>
+        </p:txBody>
+      </p:sp>
+      <p:pic>
+        <p:nvPicPr>
+          <p:cNvPr id="4" name="Content Placeholder 4">
+            <a:extLst>
+              <a:ext uri="{FF2B5EF4-FFF2-40B4-BE49-F238E27FC236}">
+                <a16:creationId xmlns:a16="http://schemas.microsoft.com/office/drawing/2014/main" id="{529D761B-86CB-4552-A3CA-C321B866D32C}"/>
+              </a:ext>
+            </a:extLst>
+          </p:cNvPr>
+          <p:cNvPicPr>
+            <a:picLocks noGrp="1" noChangeAspect="1"/>
+          </p:cNvPicPr>
+          <p:nvPr>
+            <p:ph idx="1"/>
+          </p:nvPr>
+        </p:nvPicPr>
+        <p:blipFill rotWithShape="1">
+          <a:blip r:embed="rId3"/>
+          <a:srcRect l="1" r="32419"/>
+          <a:stretch/>
+        </p:blipFill>
+        <p:spPr>
+          <a:xfrm>
+            <a:off x="88490" y="912469"/>
+            <a:ext cx="8239431" cy="5404757"/>
+          </a:xfrm>
+        </p:spPr>
+      </p:pic>
+    </p:spTree>
+    <p:extLst>
+      <p:ext uri="{BB962C8B-B14F-4D97-AF65-F5344CB8AC3E}">
+        <p14:creationId xmlns:p14="http://schemas.microsoft.com/office/powerpoint/2010/main" val="1959459171"/>
       </p:ext>
     </p:extLst>
   </p:cSld>
